--- a/apresentacoes/foco-produtividade/aula-13-inteligencia-emocional.pptx
+++ b/apresentacoes/foco-produtividade/aula-13-inteligencia-emocional.pptx
@@ -1286,62 +1286,6 @@
 </p:sldLayout>
 </file>
 
-<file path=ppt/slideLayouts/slideLayout2.xml><?xml version="1.0" encoding="utf-8"?>
-<p:sldLayout xmlns:a="http://schemas.openxmlformats.org/drawingml/2006/main" xmlns:r="http://schemas.openxmlformats.org/officeDocument/2006/relationships" xmlns:p="http://schemas.openxmlformats.org/presentationml/2006/main" preserve="1">
-  <p:cSld name="MASTER">
-    <p:bg>
-      <p:bgPr>
-        <a:solidFill>
-          <a:srgbClr val="1A1A2E"/>
-        </a:solidFill>
-      </p:bgPr>
-    </p:bg>
-    <p:spTree>
-      <p:nvGrpSpPr>
-        <p:cNvPr id="1" name=""/>
-        <p:cNvGrpSpPr/>
-        <p:nvPr/>
-      </p:nvGrpSpPr>
-      <p:grpSpPr>
-        <a:xfrm>
-          <a:off x="0" y="0"/>
-          <a:ext cx="0" cy="0"/>
-          <a:chOff x="0" y="0"/>
-          <a:chExt cx="0" cy="0"/>
-        </a:xfrm>
-      </p:grpSpPr>
-      <p:pic>
-        <p:nvPicPr>
-          <p:cNvPr id="2" name="Image 0" descr="preencoded.png">    </p:cNvPr>
-          <p:cNvPicPr>
-            <a:picLocks noChangeAspect="1"/>
-          </p:cNvPicPr>
-          <p:nvPr/>
-        </p:nvPicPr>
-        <p:blipFill>
-          <a:blip r:embed="rId1"/>
-          <a:stretch>
-            <a:fillRect/>
-          </a:stretch>
-        </p:blipFill>
-        <p:spPr>
-          <a:xfrm>
-            <a:off x="274320" y="182880"/>
-            <a:ext cx="1097280" cy="457200"/>
-          </a:xfrm>
-          <a:prstGeom prst="rect">
-            <a:avLst/>
-          </a:prstGeom>
-        </p:spPr>
-      </p:pic>
-    </p:spTree>
-  </p:cSld>
-  <p:clrMapOvr>
-    <a:masterClrMapping/>
-  </p:clrMapOvr>
-</p:sldLayout>
-</file>
-
 <file path=ppt/slideMasters/slideMaster1.xml><?xml version="1.0" encoding="utf-8"?>
 <p:sldMaster xmlns:a="http://schemas.openxmlformats.org/drawingml/2006/main" xmlns:r="http://schemas.openxmlformats.org/officeDocument/2006/relationships" xmlns:p="http://schemas.openxmlformats.org/presentationml/2006/main">
   <p:cSld>
@@ -1364,7 +1308,6 @@
   <p:clrMap bg1="lt1" tx1="dk1" bg2="lt2" tx2="dk2" accent1="accent1" accent2="accent2" accent3="accent3" accent4="accent4" accent5="accent5" accent6="accent6" hlink="hlink" folHlink="folHlink"/>
   <p:sldLayoutIdLst>
     <p:sldLayoutId id="2147483649" r:id="rId1"/>
-    <p:sldLayoutId id="2147483650" r:id="rId2"/>
   </p:sldLayoutIdLst>
   <p:hf sldNum="0" hdr="0" ftr="0" dt="0"/>
   <p:txStyles>
@@ -1623,6 +1566,13 @@
 <file path=ppt/slides/slide1.xml><?xml version="1.0" encoding="utf-8"?>
 <p:sld xmlns:a="http://schemas.openxmlformats.org/drawingml/2006/main" xmlns:r="http://schemas.openxmlformats.org/officeDocument/2006/relationships" xmlns:p="http://schemas.openxmlformats.org/presentationml/2006/main">
   <p:cSld name="Slide 1">
+    <p:bg>
+      <p:bgPr>
+        <a:solidFill>
+          <a:srgbClr val="1A1A2E"/>
+        </a:solidFill>
+      </p:bgPr>
+    </p:bg>
     <p:spTree>
       <p:nvGrpSpPr>
         <p:cNvPr id="1" name=""/>
@@ -1637,9 +1587,33 @@
           <a:chExt cx="0" cy="0"/>
         </a:xfrm>
       </p:grpSpPr>
-      <p:sp>
-        <p:nvSpPr>
-          <p:cNvPr id="2" name="Shape 0"/>
+      <p:pic>
+        <p:nvPicPr>
+          <p:cNvPr id="2" name="Image 0" descr="preencoded.png">    </p:cNvPr>
+          <p:cNvPicPr>
+            <a:picLocks noChangeAspect="1"/>
+          </p:cNvPicPr>
+          <p:nvPr/>
+        </p:nvPicPr>
+        <p:blipFill>
+          <a:blip r:embed="rId1"/>
+          <a:stretch>
+            <a:fillRect/>
+          </a:stretch>
+        </p:blipFill>
+        <p:spPr>
+          <a:xfrm>
+            <a:off x="274320" y="137160"/>
+            <a:ext cx="1097280" cy="457200"/>
+          </a:xfrm>
+          <a:prstGeom prst="rect">
+            <a:avLst/>
+          </a:prstGeom>
+        </p:spPr>
+      </p:pic>
+      <p:sp>
+        <p:nvSpPr>
+          <p:cNvPr id="3" name="Shape 0"/>
           <p:cNvSpPr/>
           <p:nvPr/>
         </p:nvSpPr>
@@ -1659,7 +1633,7 @@
       </p:sp>
       <p:sp>
         <p:nvSpPr>
-          <p:cNvPr id="3" name="Text 1"/>
+          <p:cNvPr id="4" name="Text 1"/>
           <p:cNvSpPr/>
           <p:nvPr/>
         </p:nvSpPr>
@@ -1698,7 +1672,7 @@
       </p:sp>
       <p:sp>
         <p:nvSpPr>
-          <p:cNvPr id="4" name="Text 2"/>
+          <p:cNvPr id="5" name="Text 2"/>
           <p:cNvSpPr/>
           <p:nvPr/>
         </p:nvSpPr>
@@ -1737,7 +1711,7 @@
       </p:sp>
       <p:sp>
         <p:nvSpPr>
-          <p:cNvPr id="5" name="Text 3"/>
+          <p:cNvPr id="6" name="Text 3"/>
           <p:cNvSpPr/>
           <p:nvPr/>
         </p:nvSpPr>
@@ -1776,7 +1750,7 @@
       </p:sp>
       <p:sp>
         <p:nvSpPr>
-          <p:cNvPr id="6" name="Text 4"/>
+          <p:cNvPr id="7" name="Text 4"/>
           <p:cNvSpPr/>
           <p:nvPr/>
         </p:nvSpPr>
@@ -1815,7 +1789,7 @@
       </p:sp>
       <p:sp>
         <p:nvSpPr>
-          <p:cNvPr id="7" name="Shape 5"/>
+          <p:cNvPr id="8" name="Shape 5"/>
           <p:cNvSpPr/>
           <p:nvPr/>
         </p:nvSpPr>
@@ -1844,6 +1818,13 @@
 <file path=ppt/slides/slide2.xml><?xml version="1.0" encoding="utf-8"?>
 <p:sld xmlns:a="http://schemas.openxmlformats.org/drawingml/2006/main" xmlns:r="http://schemas.openxmlformats.org/officeDocument/2006/relationships" xmlns:p="http://schemas.openxmlformats.org/presentationml/2006/main">
   <p:cSld name="Slide 2">
+    <p:bg>
+      <p:bgPr>
+        <a:solidFill>
+          <a:srgbClr val="1A1A2E"/>
+        </a:solidFill>
+      </p:bgPr>
+    </p:bg>
     <p:spTree>
       <p:nvGrpSpPr>
         <p:cNvPr id="1" name=""/>
@@ -1858,9 +1839,33 @@
           <a:chExt cx="0" cy="0"/>
         </a:xfrm>
       </p:grpSpPr>
-      <p:sp>
-        <p:nvSpPr>
-          <p:cNvPr id="2" name="Shape 0"/>
+      <p:pic>
+        <p:nvPicPr>
+          <p:cNvPr id="2" name="Image 0" descr="preencoded.png">    </p:cNvPr>
+          <p:cNvPicPr>
+            <a:picLocks noChangeAspect="1"/>
+          </p:cNvPicPr>
+          <p:nvPr/>
+        </p:nvPicPr>
+        <p:blipFill>
+          <a:blip r:embed="rId1"/>
+          <a:stretch>
+            <a:fillRect/>
+          </a:stretch>
+        </p:blipFill>
+        <p:spPr>
+          <a:xfrm>
+            <a:off x="274320" y="137160"/>
+            <a:ext cx="1097280" cy="457200"/>
+          </a:xfrm>
+          <a:prstGeom prst="rect">
+            <a:avLst/>
+          </a:prstGeom>
+        </p:spPr>
+      </p:pic>
+      <p:sp>
+        <p:nvSpPr>
+          <p:cNvPr id="3" name="Shape 0"/>
           <p:cNvSpPr/>
           <p:nvPr/>
         </p:nvSpPr>
@@ -1880,7 +1885,7 @@
       </p:sp>
       <p:sp>
         <p:nvSpPr>
-          <p:cNvPr id="3" name="Text 1"/>
+          <p:cNvPr id="4" name="Text 1"/>
           <p:cNvSpPr/>
           <p:nvPr/>
         </p:nvSpPr>
@@ -1919,7 +1924,7 @@
       </p:sp>
       <p:sp>
         <p:nvSpPr>
-          <p:cNvPr id="4" name="Text 2"/>
+          <p:cNvPr id="5" name="Text 2"/>
           <p:cNvSpPr/>
           <p:nvPr/>
         </p:nvSpPr>
@@ -1960,7 +1965,7 @@
       </p:sp>
       <p:sp>
         <p:nvSpPr>
-          <p:cNvPr id="5" name="Text 3"/>
+          <p:cNvPr id="6" name="Text 3"/>
           <p:cNvSpPr/>
           <p:nvPr/>
         </p:nvSpPr>
@@ -1991,7 +1996,7 @@
                 <a:ea typeface="Arial" pitchFamily="34" charset="-122"/>
                 <a:cs typeface="Arial" pitchFamily="34" charset="-120"/>
               </a:rPr>
-              <a:t>Entender como emoções afetam o foco</a:t>
+              <a:t>Entender emoções e foco</a:t>
             </a:r>
             <a:endParaRPr lang="en-US" sz="1600" dirty="0"/>
           </a:p>
@@ -1999,7 +2004,7 @@
       </p:sp>
       <p:sp>
         <p:nvSpPr>
-          <p:cNvPr id="6" name="Text 4"/>
+          <p:cNvPr id="7" name="Text 4"/>
           <p:cNvSpPr/>
           <p:nvPr/>
         </p:nvSpPr>
@@ -2040,7 +2045,7 @@
       </p:sp>
       <p:sp>
         <p:nvSpPr>
-          <p:cNvPr id="7" name="Text 5"/>
+          <p:cNvPr id="8" name="Text 5"/>
           <p:cNvSpPr/>
           <p:nvPr/>
         </p:nvSpPr>
@@ -2071,7 +2076,7 @@
                 <a:ea typeface="Arial" pitchFamily="34" charset="-122"/>
                 <a:cs typeface="Arial" pitchFamily="34" charset="-120"/>
               </a:rPr>
-              <a:t>Identificar gatilhos emocionais</a:t>
+              <a:t>Identificar gatilhos</a:t>
             </a:r>
             <a:endParaRPr lang="en-US" sz="1600" dirty="0"/>
           </a:p>
@@ -2079,7 +2084,7 @@
       </p:sp>
       <p:sp>
         <p:nvSpPr>
-          <p:cNvPr id="8" name="Text 6"/>
+          <p:cNvPr id="9" name="Text 6"/>
           <p:cNvSpPr/>
           <p:nvPr/>
         </p:nvSpPr>
@@ -2120,7 +2125,7 @@
       </p:sp>
       <p:sp>
         <p:nvSpPr>
-          <p:cNvPr id="9" name="Text 7"/>
+          <p:cNvPr id="10" name="Text 7"/>
           <p:cNvSpPr/>
           <p:nvPr/>
         </p:nvSpPr>
@@ -2168,6 +2173,13 @@
 <file path=ppt/slides/slide3.xml><?xml version="1.0" encoding="utf-8"?>
 <p:sld xmlns:a="http://schemas.openxmlformats.org/drawingml/2006/main" xmlns:r="http://schemas.openxmlformats.org/officeDocument/2006/relationships" xmlns:p="http://schemas.openxmlformats.org/presentationml/2006/main">
   <p:cSld name="Slide 3">
+    <p:bg>
+      <p:bgPr>
+        <a:solidFill>
+          <a:srgbClr val="1A1A2E"/>
+        </a:solidFill>
+      </p:bgPr>
+    </p:bg>
     <p:spTree>
       <p:nvGrpSpPr>
         <p:cNvPr id="1" name=""/>
@@ -2182,9 +2194,33 @@
           <a:chExt cx="0" cy="0"/>
         </a:xfrm>
       </p:grpSpPr>
-      <p:sp>
-        <p:nvSpPr>
-          <p:cNvPr id="2" name="Shape 0"/>
+      <p:pic>
+        <p:nvPicPr>
+          <p:cNvPr id="2" name="Image 0" descr="preencoded.png">    </p:cNvPr>
+          <p:cNvPicPr>
+            <a:picLocks noChangeAspect="1"/>
+          </p:cNvPicPr>
+          <p:nvPr/>
+        </p:nvPicPr>
+        <p:blipFill>
+          <a:blip r:embed="rId1"/>
+          <a:stretch>
+            <a:fillRect/>
+          </a:stretch>
+        </p:blipFill>
+        <p:spPr>
+          <a:xfrm>
+            <a:off x="274320" y="137160"/>
+            <a:ext cx="1097280" cy="457200"/>
+          </a:xfrm>
+          <a:prstGeom prst="rect">
+            <a:avLst/>
+          </a:prstGeom>
+        </p:spPr>
+      </p:pic>
+      <p:sp>
+        <p:nvSpPr>
+          <p:cNvPr id="3" name="Shape 0"/>
           <p:cNvSpPr/>
           <p:nvPr/>
         </p:nvSpPr>
@@ -2204,7 +2240,7 @@
       </p:sp>
       <p:sp>
         <p:nvSpPr>
-          <p:cNvPr id="3" name="Text 1"/>
+          <p:cNvPr id="4" name="Text 1"/>
           <p:cNvSpPr/>
           <p:nvPr/>
         </p:nvSpPr>
@@ -2243,7 +2279,7 @@
       </p:sp>
       <p:sp>
         <p:nvSpPr>
-          <p:cNvPr id="4" name="Text 2"/>
+          <p:cNvPr id="5" name="Text 2"/>
           <p:cNvSpPr/>
           <p:nvPr/>
         </p:nvSpPr>
@@ -2282,7 +2318,7 @@
       </p:sp>
       <p:sp>
         <p:nvSpPr>
-          <p:cNvPr id="5" name="Text 3"/>
+          <p:cNvPr id="6" name="Text 3"/>
           <p:cNvSpPr/>
           <p:nvPr/>
         </p:nvSpPr>
@@ -2321,7 +2357,7 @@
       </p:sp>
       <p:sp>
         <p:nvSpPr>
-          <p:cNvPr id="6" name="Text 4"/>
+          <p:cNvPr id="7" name="Text 4"/>
           <p:cNvSpPr/>
           <p:nvPr/>
         </p:nvSpPr>
@@ -2360,7 +2396,7 @@
       </p:sp>
       <p:sp>
         <p:nvSpPr>
-          <p:cNvPr id="7" name="Text 5"/>
+          <p:cNvPr id="8" name="Text 5"/>
           <p:cNvSpPr/>
           <p:nvPr/>
         </p:nvSpPr>
@@ -2391,7 +2427,7 @@
                 <a:ea typeface="Arial" pitchFamily="34" charset="-122"/>
                 <a:cs typeface="Arial" pitchFamily="34" charset="-120"/>
               </a:rPr>
-              <a:t>Ansiedade sabota foco</a:t>
+              <a:t>Ansiedade sabota</a:t>
             </a:r>
             <a:endParaRPr lang="en-US" sz="1500" dirty="0"/>
           </a:p>
@@ -2399,7 +2435,7 @@
       </p:sp>
       <p:sp>
         <p:nvSpPr>
-          <p:cNvPr id="8" name="Text 6"/>
+          <p:cNvPr id="9" name="Text 6"/>
           <p:cNvSpPr/>
           <p:nvPr/>
         </p:nvSpPr>
@@ -2438,7 +2474,7 @@
       </p:sp>
       <p:sp>
         <p:nvSpPr>
-          <p:cNvPr id="9" name="Text 7"/>
+          <p:cNvPr id="10" name="Text 7"/>
           <p:cNvSpPr/>
           <p:nvPr/>
         </p:nvSpPr>
@@ -2469,7 +2505,7 @@
                 <a:ea typeface="Arial" pitchFamily="34" charset="-122"/>
                 <a:cs typeface="Arial" pitchFamily="34" charset="-120"/>
               </a:rPr>
-              <a:t>Estado emocional ideal</a:t>
+              <a:t>Estado ideal</a:t>
             </a:r>
             <a:endParaRPr lang="en-US" sz="1500" dirty="0"/>
           </a:p>
@@ -2486,6 +2522,13 @@
 <file path=ppt/slides/slide4.xml><?xml version="1.0" encoding="utf-8"?>
 <p:sld xmlns:a="http://schemas.openxmlformats.org/drawingml/2006/main" xmlns:r="http://schemas.openxmlformats.org/officeDocument/2006/relationships" xmlns:p="http://schemas.openxmlformats.org/presentationml/2006/main">
   <p:cSld name="Slide 4">
+    <p:bg>
+      <p:bgPr>
+        <a:solidFill>
+          <a:srgbClr val="1A1A2E"/>
+        </a:solidFill>
+      </p:bgPr>
+    </p:bg>
     <p:spTree>
       <p:nvGrpSpPr>
         <p:cNvPr id="1" name=""/>
@@ -2500,9 +2543,33 @@
           <a:chExt cx="0" cy="0"/>
         </a:xfrm>
       </p:grpSpPr>
-      <p:sp>
-        <p:nvSpPr>
-          <p:cNvPr id="2" name="Shape 0"/>
+      <p:pic>
+        <p:nvPicPr>
+          <p:cNvPr id="2" name="Image 0" descr="preencoded.png">    </p:cNvPr>
+          <p:cNvPicPr>
+            <a:picLocks noChangeAspect="1"/>
+          </p:cNvPicPr>
+          <p:nvPr/>
+        </p:nvPicPr>
+        <p:blipFill>
+          <a:blip r:embed="rId1"/>
+          <a:stretch>
+            <a:fillRect/>
+          </a:stretch>
+        </p:blipFill>
+        <p:spPr>
+          <a:xfrm>
+            <a:off x="274320" y="137160"/>
+            <a:ext cx="1097280" cy="457200"/>
+          </a:xfrm>
+          <a:prstGeom prst="rect">
+            <a:avLst/>
+          </a:prstGeom>
+        </p:spPr>
+      </p:pic>
+      <p:sp>
+        <p:nvSpPr>
+          <p:cNvPr id="3" name="Shape 0"/>
           <p:cNvSpPr/>
           <p:nvPr/>
         </p:nvSpPr>
@@ -2522,7 +2589,7 @@
       </p:sp>
       <p:sp>
         <p:nvSpPr>
-          <p:cNvPr id="3" name="Text 1"/>
+          <p:cNvPr id="4" name="Text 1"/>
           <p:cNvSpPr/>
           <p:nvPr/>
         </p:nvSpPr>
@@ -2561,7 +2628,7 @@
       </p:sp>
       <p:sp>
         <p:nvSpPr>
-          <p:cNvPr id="4" name="Text 2"/>
+          <p:cNvPr id="5" name="Text 2"/>
           <p:cNvSpPr/>
           <p:nvPr/>
         </p:nvSpPr>
@@ -2600,7 +2667,7 @@
       </p:sp>
       <p:sp>
         <p:nvSpPr>
-          <p:cNvPr id="5" name="Text 3"/>
+          <p:cNvPr id="6" name="Text 3"/>
           <p:cNvSpPr/>
           <p:nvPr/>
         </p:nvSpPr>
@@ -2639,7 +2706,7 @@
       </p:sp>
       <p:sp>
         <p:nvSpPr>
-          <p:cNvPr id="6" name="Text 4"/>
+          <p:cNvPr id="7" name="Text 4"/>
           <p:cNvSpPr/>
           <p:nvPr/>
         </p:nvSpPr>
@@ -2678,7 +2745,7 @@
       </p:sp>
       <p:sp>
         <p:nvSpPr>
-          <p:cNvPr id="7" name="Text 5"/>
+          <p:cNvPr id="8" name="Text 5"/>
           <p:cNvSpPr/>
           <p:nvPr/>
         </p:nvSpPr>
@@ -2717,7 +2784,7 @@
       </p:sp>
       <p:sp>
         <p:nvSpPr>
-          <p:cNvPr id="8" name="Text 6"/>
+          <p:cNvPr id="9" name="Text 6"/>
           <p:cNvSpPr/>
           <p:nvPr/>
         </p:nvSpPr>
@@ -2756,7 +2823,7 @@
       </p:sp>
       <p:sp>
         <p:nvSpPr>
-          <p:cNvPr id="9" name="Text 7"/>
+          <p:cNvPr id="10" name="Text 7"/>
           <p:cNvSpPr/>
           <p:nvPr/>
         </p:nvSpPr>
@@ -2804,6 +2871,13 @@
 <file path=ppt/slides/slide5.xml><?xml version="1.0" encoding="utf-8"?>
 <p:sld xmlns:a="http://schemas.openxmlformats.org/drawingml/2006/main" xmlns:r="http://schemas.openxmlformats.org/officeDocument/2006/relationships" xmlns:p="http://schemas.openxmlformats.org/presentationml/2006/main">
   <p:cSld name="Slide 5">
+    <p:bg>
+      <p:bgPr>
+        <a:solidFill>
+          <a:srgbClr val="1A1A2E"/>
+        </a:solidFill>
+      </p:bgPr>
+    </p:bg>
     <p:spTree>
       <p:nvGrpSpPr>
         <p:cNvPr id="1" name=""/>
@@ -2818,9 +2892,33 @@
           <a:chExt cx="0" cy="0"/>
         </a:xfrm>
       </p:grpSpPr>
-      <p:sp>
-        <p:nvSpPr>
-          <p:cNvPr id="2" name="Shape 0"/>
+      <p:pic>
+        <p:nvPicPr>
+          <p:cNvPr id="2" name="Image 0" descr="preencoded.png">    </p:cNvPr>
+          <p:cNvPicPr>
+            <a:picLocks noChangeAspect="1"/>
+          </p:cNvPicPr>
+          <p:nvPr/>
+        </p:nvPicPr>
+        <p:blipFill>
+          <a:blip r:embed="rId1"/>
+          <a:stretch>
+            <a:fillRect/>
+          </a:stretch>
+        </p:blipFill>
+        <p:spPr>
+          <a:xfrm>
+            <a:off x="274320" y="137160"/>
+            <a:ext cx="1097280" cy="457200"/>
+          </a:xfrm>
+          <a:prstGeom prst="rect">
+            <a:avLst/>
+          </a:prstGeom>
+        </p:spPr>
+      </p:pic>
+      <p:sp>
+        <p:nvSpPr>
+          <p:cNvPr id="3" name="Shape 0"/>
           <p:cNvSpPr/>
           <p:nvPr/>
         </p:nvSpPr>
@@ -2840,7 +2938,7 @@
       </p:sp>
       <p:sp>
         <p:nvSpPr>
-          <p:cNvPr id="3" name="Text 1"/>
+          <p:cNvPr id="4" name="Text 1"/>
           <p:cNvSpPr/>
           <p:nvPr/>
         </p:nvSpPr>
@@ -2871,7 +2969,7 @@
                 <a:ea typeface="Arial" pitchFamily="34" charset="-122"/>
                 <a:cs typeface="Arial" pitchFamily="34" charset="-120"/>
               </a:rPr>
-              <a:t>Técnicas de Regulação</a:t>
+              <a:t>Regulação</a:t>
             </a:r>
             <a:endParaRPr lang="en-US" sz="1800" dirty="0"/>
           </a:p>
@@ -2879,7 +2977,7 @@
       </p:sp>
       <p:sp>
         <p:nvSpPr>
-          <p:cNvPr id="4" name="Text 2"/>
+          <p:cNvPr id="5" name="Text 2"/>
           <p:cNvSpPr/>
           <p:nvPr/>
         </p:nvSpPr>
@@ -2918,7 +3016,7 @@
       </p:sp>
       <p:sp>
         <p:nvSpPr>
-          <p:cNvPr id="5" name="Text 3"/>
+          <p:cNvPr id="6" name="Text 3"/>
           <p:cNvSpPr/>
           <p:nvPr/>
         </p:nvSpPr>
@@ -2957,7 +3055,7 @@
       </p:sp>
       <p:sp>
         <p:nvSpPr>
-          <p:cNvPr id="6" name="Text 4"/>
+          <p:cNvPr id="7" name="Text 4"/>
           <p:cNvSpPr/>
           <p:nvPr/>
         </p:nvSpPr>
@@ -2996,7 +3094,7 @@
       </p:sp>
       <p:sp>
         <p:nvSpPr>
-          <p:cNvPr id="7" name="Text 5"/>
+          <p:cNvPr id="8" name="Text 5"/>
           <p:cNvSpPr/>
           <p:nvPr/>
         </p:nvSpPr>
@@ -3027,7 +3125,7 @@
                 <a:ea typeface="Arial" pitchFamily="34" charset="-122"/>
                 <a:cs typeface="Arial" pitchFamily="34" charset="-120"/>
               </a:rPr>
-              <a:t>Reframing cognitivo</a:t>
+              <a:t>Reframing</a:t>
             </a:r>
             <a:endParaRPr lang="en-US" sz="1500" dirty="0"/>
           </a:p>
@@ -3035,7 +3133,7 @@
       </p:sp>
       <p:sp>
         <p:nvSpPr>
-          <p:cNvPr id="8" name="Text 6"/>
+          <p:cNvPr id="9" name="Text 6"/>
           <p:cNvSpPr/>
           <p:nvPr/>
         </p:nvSpPr>
@@ -3074,7 +3172,7 @@
       </p:sp>
       <p:sp>
         <p:nvSpPr>
-          <p:cNvPr id="9" name="Text 7"/>
+          <p:cNvPr id="10" name="Text 7"/>
           <p:cNvSpPr/>
           <p:nvPr/>
         </p:nvSpPr>
@@ -3105,7 +3203,7 @@
                 <a:ea typeface="Arial" pitchFamily="34" charset="-122"/>
                 <a:cs typeface="Arial" pitchFamily="34" charset="-120"/>
               </a:rPr>
-              <a:t>Grounding (ancoragem)</a:t>
+              <a:t>Grounding</a:t>
             </a:r>
             <a:endParaRPr lang="en-US" sz="1500" dirty="0"/>
           </a:p>
@@ -3113,7 +3211,7 @@
       </p:sp>
       <p:sp>
         <p:nvSpPr>
-          <p:cNvPr id="10" name="Text 8"/>
+          <p:cNvPr id="11" name="Text 8"/>
           <p:cNvSpPr/>
           <p:nvPr/>
         </p:nvSpPr>
@@ -3152,7 +3250,7 @@
       </p:sp>
       <p:sp>
         <p:nvSpPr>
-          <p:cNvPr id="11" name="Text 9"/>
+          <p:cNvPr id="12" name="Text 9"/>
           <p:cNvSpPr/>
           <p:nvPr/>
         </p:nvSpPr>
@@ -3200,6 +3298,13 @@
 <file path=ppt/slides/slide6.xml><?xml version="1.0" encoding="utf-8"?>
 <p:sld xmlns:a="http://schemas.openxmlformats.org/drawingml/2006/main" xmlns:r="http://schemas.openxmlformats.org/officeDocument/2006/relationships" xmlns:p="http://schemas.openxmlformats.org/presentationml/2006/main">
   <p:cSld name="Slide 6">
+    <p:bg>
+      <p:bgPr>
+        <a:solidFill>
+          <a:srgbClr val="1A1A2E"/>
+        </a:solidFill>
+      </p:bgPr>
+    </p:bg>
     <p:spTree>
       <p:nvGrpSpPr>
         <p:cNvPr id="1" name=""/>
@@ -3214,9 +3319,33 @@
           <a:chExt cx="0" cy="0"/>
         </a:xfrm>
       </p:grpSpPr>
-      <p:sp>
-        <p:nvSpPr>
-          <p:cNvPr id="2" name="Shape 0"/>
+      <p:pic>
+        <p:nvPicPr>
+          <p:cNvPr id="2" name="Image 0" descr="preencoded.png">    </p:cNvPr>
+          <p:cNvPicPr>
+            <a:picLocks noChangeAspect="1"/>
+          </p:cNvPicPr>
+          <p:nvPr/>
+        </p:nvPicPr>
+        <p:blipFill>
+          <a:blip r:embed="rId1"/>
+          <a:stretch>
+            <a:fillRect/>
+          </a:stretch>
+        </p:blipFill>
+        <p:spPr>
+          <a:xfrm>
+            <a:off x="274320" y="137160"/>
+            <a:ext cx="1097280" cy="457200"/>
+          </a:xfrm>
+          <a:prstGeom prst="rect">
+            <a:avLst/>
+          </a:prstGeom>
+        </p:spPr>
+      </p:pic>
+      <p:sp>
+        <p:nvSpPr>
+          <p:cNvPr id="3" name="Shape 0"/>
           <p:cNvSpPr/>
           <p:nvPr/>
         </p:nvSpPr>
@@ -3236,7 +3365,7 @@
       </p:sp>
       <p:sp>
         <p:nvSpPr>
-          <p:cNvPr id="3" name="Text 1"/>
+          <p:cNvPr id="4" name="Text 1"/>
           <p:cNvSpPr/>
           <p:nvPr/>
         </p:nvSpPr>
@@ -3267,7 +3396,7 @@
                 <a:ea typeface="Arial" pitchFamily="34" charset="-122"/>
                 <a:cs typeface="Arial" pitchFamily="34" charset="-120"/>
               </a:rPr>
-              <a:t>Construindo Resiliência</a:t>
+              <a:t>Resiliência</a:t>
             </a:r>
             <a:endParaRPr lang="en-US" sz="1800" dirty="0"/>
           </a:p>
@@ -3275,7 +3404,7 @@
       </p:sp>
       <p:sp>
         <p:nvSpPr>
-          <p:cNvPr id="4" name="Text 2"/>
+          <p:cNvPr id="5" name="Text 2"/>
           <p:cNvSpPr/>
           <p:nvPr/>
         </p:nvSpPr>
@@ -3314,7 +3443,7 @@
       </p:sp>
       <p:sp>
         <p:nvSpPr>
-          <p:cNvPr id="5" name="Text 3"/>
+          <p:cNvPr id="6" name="Text 3"/>
           <p:cNvSpPr/>
           <p:nvPr/>
         </p:nvSpPr>
@@ -3353,7 +3482,7 @@
       </p:sp>
       <p:sp>
         <p:nvSpPr>
-          <p:cNvPr id="6" name="Text 4"/>
+          <p:cNvPr id="7" name="Text 4"/>
           <p:cNvSpPr/>
           <p:nvPr/>
         </p:nvSpPr>
@@ -3392,7 +3521,7 @@
       </p:sp>
       <p:sp>
         <p:nvSpPr>
-          <p:cNvPr id="7" name="Text 5"/>
+          <p:cNvPr id="8" name="Text 5"/>
           <p:cNvSpPr/>
           <p:nvPr/>
         </p:nvSpPr>
@@ -3431,7 +3560,7 @@
       </p:sp>
       <p:sp>
         <p:nvSpPr>
-          <p:cNvPr id="8" name="Text 6"/>
+          <p:cNvPr id="9" name="Text 6"/>
           <p:cNvSpPr/>
           <p:nvPr/>
         </p:nvSpPr>
@@ -3470,7 +3599,7 @@
       </p:sp>
       <p:sp>
         <p:nvSpPr>
-          <p:cNvPr id="9" name="Text 7"/>
+          <p:cNvPr id="10" name="Text 7"/>
           <p:cNvSpPr/>
           <p:nvPr/>
         </p:nvSpPr>
@@ -3518,6 +3647,13 @@
 <file path=ppt/slides/slide7.xml><?xml version="1.0" encoding="utf-8"?>
 <p:sld xmlns:a="http://schemas.openxmlformats.org/drawingml/2006/main" xmlns:r="http://schemas.openxmlformats.org/officeDocument/2006/relationships" xmlns:p="http://schemas.openxmlformats.org/presentationml/2006/main">
   <p:cSld name="Slide 7">
+    <p:bg>
+      <p:bgPr>
+        <a:solidFill>
+          <a:srgbClr val="1A1A2E"/>
+        </a:solidFill>
+      </p:bgPr>
+    </p:bg>
     <p:spTree>
       <p:nvGrpSpPr>
         <p:cNvPr id="1" name=""/>
@@ -3532,9 +3668,33 @@
           <a:chExt cx="0" cy="0"/>
         </a:xfrm>
       </p:grpSpPr>
-      <p:sp>
-        <p:nvSpPr>
-          <p:cNvPr id="2" name="Shape 0"/>
+      <p:pic>
+        <p:nvPicPr>
+          <p:cNvPr id="2" name="Image 0" descr="preencoded.png">    </p:cNvPr>
+          <p:cNvPicPr>
+            <a:picLocks noChangeAspect="1"/>
+          </p:cNvPicPr>
+          <p:nvPr/>
+        </p:nvPicPr>
+        <p:blipFill>
+          <a:blip r:embed="rId1"/>
+          <a:stretch>
+            <a:fillRect/>
+          </a:stretch>
+        </p:blipFill>
+        <p:spPr>
+          <a:xfrm>
+            <a:off x="274320" y="137160"/>
+            <a:ext cx="1097280" cy="457200"/>
+          </a:xfrm>
+          <a:prstGeom prst="rect">
+            <a:avLst/>
+          </a:prstGeom>
+        </p:spPr>
+      </p:pic>
+      <p:sp>
+        <p:nvSpPr>
+          <p:cNvPr id="3" name="Shape 0"/>
           <p:cNvSpPr/>
           <p:nvPr/>
         </p:nvSpPr>
@@ -3554,7 +3714,7 @@
       </p:sp>
       <p:sp>
         <p:nvSpPr>
-          <p:cNvPr id="3" name="Text 1"/>
+          <p:cNvPr id="4" name="Text 1"/>
           <p:cNvSpPr/>
           <p:nvPr/>
         </p:nvSpPr>
@@ -3593,7 +3753,7 @@
       </p:sp>
       <p:sp>
         <p:nvSpPr>
-          <p:cNvPr id="4" name="Text 2"/>
+          <p:cNvPr id="5" name="Text 2"/>
           <p:cNvSpPr/>
           <p:nvPr/>
         </p:nvSpPr>
@@ -3632,7 +3792,7 @@
       </p:sp>
       <p:sp>
         <p:nvSpPr>
-          <p:cNvPr id="5" name="Text 3"/>
+          <p:cNvPr id="6" name="Text 3"/>
           <p:cNvSpPr/>
           <p:nvPr/>
         </p:nvSpPr>
@@ -3663,7 +3823,7 @@
                 <a:ea typeface="Arial" pitchFamily="34" charset="-122"/>
                 <a:cs typeface="Arial" pitchFamily="34" charset="-120"/>
               </a:rPr>
-              <a:t>Emoções afetam diretamente o aprendizado</a:t>
+              <a:t>Emoções afetam aprendizado</a:t>
             </a:r>
             <a:endParaRPr lang="en-US" sz="1500" dirty="0"/>
           </a:p>
@@ -3671,7 +3831,7 @@
       </p:sp>
       <p:sp>
         <p:nvSpPr>
-          <p:cNvPr id="6" name="Text 4"/>
+          <p:cNvPr id="7" name="Text 4"/>
           <p:cNvSpPr/>
           <p:nvPr/>
         </p:nvSpPr>
@@ -3710,7 +3870,7 @@
       </p:sp>
       <p:sp>
         <p:nvSpPr>
-          <p:cNvPr id="7" name="Text 5"/>
+          <p:cNvPr id="8" name="Text 5"/>
           <p:cNvSpPr/>
           <p:nvPr/>
         </p:nvSpPr>
@@ -3741,7 +3901,7 @@
                 <a:ea typeface="Arial" pitchFamily="34" charset="-122"/>
                 <a:cs typeface="Arial" pitchFamily="34" charset="-120"/>
               </a:rPr>
-              <a:t>Identifique seus gatilhos emocionais</a:t>
+              <a:t>Identifique gatilhos</a:t>
             </a:r>
             <a:endParaRPr lang="en-US" sz="1500" dirty="0"/>
           </a:p>
@@ -3749,7 +3909,7 @@
       </p:sp>
       <p:sp>
         <p:nvSpPr>
-          <p:cNvPr id="8" name="Text 6"/>
+          <p:cNvPr id="9" name="Text 6"/>
           <p:cNvSpPr/>
           <p:nvPr/>
         </p:nvSpPr>
@@ -3788,7 +3948,7 @@
       </p:sp>
       <p:sp>
         <p:nvSpPr>
-          <p:cNvPr id="9" name="Text 7"/>
+          <p:cNvPr id="10" name="Text 7"/>
           <p:cNvSpPr/>
           <p:nvPr/>
         </p:nvSpPr>
@@ -3819,7 +3979,7 @@
                 <a:ea typeface="Arial" pitchFamily="34" charset="-122"/>
                 <a:cs typeface="Arial" pitchFamily="34" charset="-120"/>
               </a:rPr>
-              <a:t>Técnicas: respiração, reframing, grounding</a:t>
+              <a:t>Técnicas: respiração, reframing</a:t>
             </a:r>
             <a:endParaRPr lang="en-US" sz="1500" dirty="0"/>
           </a:p>
@@ -3827,7 +3987,7 @@
       </p:sp>
       <p:sp>
         <p:nvSpPr>
-          <p:cNvPr id="10" name="Text 8"/>
+          <p:cNvPr id="11" name="Text 8"/>
           <p:cNvSpPr/>
           <p:nvPr/>
         </p:nvSpPr>
@@ -3866,7 +4026,7 @@
       </p:sp>
       <p:sp>
         <p:nvSpPr>
-          <p:cNvPr id="11" name="Text 9"/>
+          <p:cNvPr id="12" name="Text 9"/>
           <p:cNvSpPr/>
           <p:nvPr/>
         </p:nvSpPr>
@@ -3914,6 +4074,13 @@
 <file path=ppt/slides/slide8.xml><?xml version="1.0" encoding="utf-8"?>
 <p:sld xmlns:a="http://schemas.openxmlformats.org/drawingml/2006/main" xmlns:r="http://schemas.openxmlformats.org/officeDocument/2006/relationships" xmlns:p="http://schemas.openxmlformats.org/presentationml/2006/main">
   <p:cSld name="Slide 8">
+    <p:bg>
+      <p:bgPr>
+        <a:solidFill>
+          <a:srgbClr val="1A1A2E"/>
+        </a:solidFill>
+      </p:bgPr>
+    </p:bg>
     <p:spTree>
       <p:nvGrpSpPr>
         <p:cNvPr id="1" name=""/>
@@ -3928,9 +4095,33 @@
           <a:chExt cx="0" cy="0"/>
         </a:xfrm>
       </p:grpSpPr>
-      <p:sp>
-        <p:nvSpPr>
-          <p:cNvPr id="2" name="Shape 0"/>
+      <p:pic>
+        <p:nvPicPr>
+          <p:cNvPr id="2" name="Image 0" descr="preencoded.png">    </p:cNvPr>
+          <p:cNvPicPr>
+            <a:picLocks noChangeAspect="1"/>
+          </p:cNvPicPr>
+          <p:nvPr/>
+        </p:nvPicPr>
+        <p:blipFill>
+          <a:blip r:embed="rId1"/>
+          <a:stretch>
+            <a:fillRect/>
+          </a:stretch>
+        </p:blipFill>
+        <p:spPr>
+          <a:xfrm>
+            <a:off x="274320" y="137160"/>
+            <a:ext cx="1097280" cy="457200"/>
+          </a:xfrm>
+          <a:prstGeom prst="rect">
+            <a:avLst/>
+          </a:prstGeom>
+        </p:spPr>
+      </p:pic>
+      <p:sp>
+        <p:nvSpPr>
+          <p:cNvPr id="3" name="Shape 0"/>
           <p:cNvSpPr/>
           <p:nvPr/>
         </p:nvSpPr>
@@ -3950,7 +4141,7 @@
       </p:sp>
       <p:sp>
         <p:nvSpPr>
-          <p:cNvPr id="3" name="Text 1"/>
+          <p:cNvPr id="4" name="Text 1"/>
           <p:cNvSpPr/>
           <p:nvPr/>
         </p:nvSpPr>
@@ -3989,7 +4180,7 @@
       </p:sp>
       <p:sp>
         <p:nvSpPr>
-          <p:cNvPr id="4" name="Shape 2"/>
+          <p:cNvPr id="5" name="Shape 2"/>
           <p:cNvSpPr/>
           <p:nvPr/>
         </p:nvSpPr>
@@ -4014,7 +4205,7 @@
       </p:sp>
       <p:sp>
         <p:nvSpPr>
-          <p:cNvPr id="5" name="Text 3"/>
+          <p:cNvPr id="6" name="Text 3"/>
           <p:cNvSpPr/>
           <p:nvPr/>
         </p:nvSpPr>
@@ -4045,7 +4236,7 @@
                 <a:ea typeface="Arial" pitchFamily="34" charset="-122"/>
                 <a:cs typeface="Arial" pitchFamily="34" charset="-120"/>
               </a:rPr>
-              <a:t>Diário Emocional de Estudo (1 semana): Antes/durante/depois + respiração 4-7-8 + 3 gatilhos</a:t>
+              <a:t>Diário Emocional (1 semana) + respiração 4-7-8</a:t>
             </a:r>
             <a:endParaRPr lang="en-US" sz="1500" dirty="0"/>
           </a:p>
@@ -4053,7 +4244,7 @@
       </p:sp>
       <p:sp>
         <p:nvSpPr>
-          <p:cNvPr id="6" name="Text 4"/>
+          <p:cNvPr id="7" name="Text 4"/>
           <p:cNvSpPr/>
           <p:nvPr/>
         </p:nvSpPr>
@@ -4101,6 +4292,13 @@
 <file path=ppt/slides/slide9.xml><?xml version="1.0" encoding="utf-8"?>
 <p:sld xmlns:a="http://schemas.openxmlformats.org/drawingml/2006/main" xmlns:r="http://schemas.openxmlformats.org/officeDocument/2006/relationships" xmlns:p="http://schemas.openxmlformats.org/presentationml/2006/main">
   <p:cSld name="Slide 9">
+    <p:bg>
+      <p:bgPr>
+        <a:solidFill>
+          <a:srgbClr val="1A1A2E"/>
+        </a:solidFill>
+      </p:bgPr>
+    </p:bg>
     <p:spTree>
       <p:nvGrpSpPr>
         <p:cNvPr id="1" name=""/>
@@ -4115,9 +4313,33 @@
           <a:chExt cx="0" cy="0"/>
         </a:xfrm>
       </p:grpSpPr>
-      <p:sp>
-        <p:nvSpPr>
-          <p:cNvPr id="2" name="Shape 0"/>
+      <p:pic>
+        <p:nvPicPr>
+          <p:cNvPr id="2" name="Image 0" descr="preencoded.png">    </p:cNvPr>
+          <p:cNvPicPr>
+            <a:picLocks noChangeAspect="1"/>
+          </p:cNvPicPr>
+          <p:nvPr/>
+        </p:nvPicPr>
+        <p:blipFill>
+          <a:blip r:embed="rId1"/>
+          <a:stretch>
+            <a:fillRect/>
+          </a:stretch>
+        </p:blipFill>
+        <p:spPr>
+          <a:xfrm>
+            <a:off x="274320" y="137160"/>
+            <a:ext cx="1097280" cy="457200"/>
+          </a:xfrm>
+          <a:prstGeom prst="rect">
+            <a:avLst/>
+          </a:prstGeom>
+        </p:spPr>
+      </p:pic>
+      <p:sp>
+        <p:nvSpPr>
+          <p:cNvPr id="3" name="Shape 0"/>
           <p:cNvSpPr/>
           <p:nvPr/>
         </p:nvSpPr>
@@ -4137,7 +4359,7 @@
       </p:sp>
       <p:sp>
         <p:nvSpPr>
-          <p:cNvPr id="3" name="Text 1"/>
+          <p:cNvPr id="4" name="Text 1"/>
           <p:cNvSpPr/>
           <p:nvPr/>
         </p:nvSpPr>
@@ -4176,7 +4398,7 @@
       </p:sp>
       <p:sp>
         <p:nvSpPr>
-          <p:cNvPr id="4" name="Shape 2"/>
+          <p:cNvPr id="5" name="Shape 2"/>
           <p:cNvSpPr/>
           <p:nvPr/>
         </p:nvSpPr>
@@ -4201,7 +4423,7 @@
       </p:sp>
       <p:sp>
         <p:nvSpPr>
-          <p:cNvPr id="5" name="Text 3"/>
+          <p:cNvPr id="6" name="Text 3"/>
           <p:cNvSpPr/>
           <p:nvPr/>
         </p:nvSpPr>
@@ -4232,7 +4454,7 @@
                 <a:ea typeface="Arial" pitchFamily="34" charset="-122"/>
                 <a:cs typeface="Arial" pitchFamily="34" charset="-120"/>
               </a:rPr>
-              <a:t>"Cuide das suas emoções como cuida do seu ambiente de estudo."</a:t>
+              <a:t>"Cuide das emoções como cuida do ambiente."</a:t>
             </a:r>
             <a:endParaRPr lang="en-US" sz="1600" dirty="0"/>
           </a:p>
@@ -4240,7 +4462,7 @@
       </p:sp>
       <p:sp>
         <p:nvSpPr>
-          <p:cNvPr id="6" name="Text 4"/>
+          <p:cNvPr id="7" name="Text 4"/>
           <p:cNvSpPr/>
           <p:nvPr/>
         </p:nvSpPr>
@@ -4279,7 +4501,7 @@
       </p:sp>
       <p:sp>
         <p:nvSpPr>
-          <p:cNvPr id="7" name="Text 5"/>
+          <p:cNvPr id="8" name="Text 5"/>
           <p:cNvSpPr/>
           <p:nvPr/>
         </p:nvSpPr>

--- a/apresentacoes/foco-produtividade/aula-13-inteligencia-emocional.pptx
+++ b/apresentacoes/foco-produtividade/aula-13-inteligencia-emocional.pptx
@@ -14,9 +14,10 @@
     <p:sldId id="262" r:id="rId8"/>
     <p:sldId id="263" r:id="rId9"/>
     <p:sldId id="264" r:id="rId10"/>
+    <p:sldId id="265" r:id="rId11"/>
   </p:sldIdLst>
   <p:notesMasterIdLst>
-    <p:notesMasterId r:id="rId11"/>
+    <p:notesMasterId r:id="rId12"/>
   </p:notesMasterIdLst>
   <p:sldSz cx="9144000" cy="5143500"/>
   <p:notesSz cx="5143500" cy="9144000"/>
@@ -510,7 +511,8 @@
           <a:p>
             <a:r>
               <a:rPr lang="en-US" dirty="0"/>
-              <a:t/>
+              <a:t>Você já tentou estudar quando estava ansioso, frustrado ou desanimado? Provavelmente não rendeu nada. As emoções são filtros através dos quais todo aprendizado passa.
+Hoje vamos desenvolver sua Inteligência Emocional aplicada aos estudos.</a:t>
             </a:r>
             <a:endParaRPr lang="en-US" dirty="0"/>
           </a:p>
@@ -534,6 +536,94 @@
             <a:fld id="{F7021451-1387-4CA6-816F-3879F97B5CBC}" type="slidenum">
               <a:rPr lang="en-US"/>
               <a:t>1</a:t>
+            </a:fld>
+            <a:endParaRPr lang="en-US"/>
+          </a:p>
+        </p:txBody>
+      </p:sp>
+    </p:spTree>
+    <p:extLst>
+      <p:ext uri="{BB962C8B-B14F-4D97-AF65-F5344CB8AC3E}">
+        <p14:creationId xmlns:p14="http://schemas.microsoft.com/office/powerpoint/2010/main" val="1024086991"/>
+      </p:ext>
+    </p:extLst>
+  </p:cSld>
+  <p:clrMapOvr>
+    <a:masterClrMapping/>
+  </p:clrMapOvr>
+</p:notes>
+</file>
+
+<file path=ppt/notesSlides/notesSlide10.xml><?xml version="1.0" encoding="utf-8"?>
+<p:notes xmlns:a="http://schemas.openxmlformats.org/drawingml/2006/main" xmlns:r="http://schemas.openxmlformats.org/officeDocument/2006/relationships" xmlns:p="http://schemas.openxmlformats.org/presentationml/2006/main">
+  <p:cSld>
+    <p:spTree>
+      <p:nvGrpSpPr>
+        <p:cNvPr id="1" name=""/>
+        <p:cNvGrpSpPr/>
+        <p:nvPr/>
+      </p:nvGrpSpPr>
+      <p:grpSpPr>
+        <a:xfrm>
+          <a:off x="0" y="0"/>
+          <a:ext cx="0" cy="0"/>
+          <a:chOff x="0" y="0"/>
+          <a:chExt cx="0" cy="0"/>
+        </a:xfrm>
+      </p:grpSpPr>
+      <p:sp>
+        <p:nvSpPr>
+          <p:cNvPr id="2" name="Slide Image Placeholder 1"/>
+          <p:cNvSpPr>
+            <a:spLocks noGrp="1" noRot="1" noChangeAspect="1"/>
+          </p:cNvSpPr>
+          <p:nvPr>
+            <p:ph type="sldImg"/>
+          </p:nvPr>
+        </p:nvSpPr>
+        <p:spPr/>
+      </p:sp>
+      <p:sp>
+        <p:nvSpPr>
+          <p:cNvPr id="3" name="Notes Placeholder 2"/>
+          <p:cNvSpPr>
+            <a:spLocks noGrp="1"/>
+          </p:cNvSpPr>
+          <p:nvPr>
+            <p:ph type="body" idx="1"/>
+          </p:nvPr>
+        </p:nvSpPr>
+        <p:spPr/>
+        <p:txBody>
+          <a:bodyPr/>
+          <a:lstStyle/>
+          <a:p>
+            <a:r>
+              <a:rPr lang="en-US" dirty="0"/>
+              <a:t>Sua performance nos estudos está diretamente ligada ao seu estado emocional. Cuide das suas emoções como cuida do seu ambiente de estudo.</a:t>
+            </a:r>
+            <a:endParaRPr lang="en-US" dirty="0"/>
+          </a:p>
+        </p:txBody>
+      </p:sp>
+      <p:sp>
+        <p:nvSpPr>
+          <p:cNvPr id="4" name="Slide Number Placeholder 3"/>
+          <p:cNvSpPr>
+            <a:spLocks noGrp="1"/>
+          </p:cNvSpPr>
+          <p:nvPr>
+            <p:ph type="sldNum" sz="quarter" idx="10"/>
+          </p:nvPr>
+        </p:nvSpPr>
+        <p:spPr/>
+        <p:txBody>
+          <a:bodyPr/>
+          <a:lstStyle/>
+          <a:p>
+            <a:fld id="{F7021451-1387-4CA6-816F-3879F97B5CBC}" type="slidenum">
+              <a:rPr lang="en-US"/>
+              <a:t>10</a:t>
             </a:fld>
             <a:endParaRPr lang="en-US"/>
           </a:p>
@@ -598,7 +688,8 @@
           <a:p>
             <a:r>
               <a:rPr lang="en-US" dirty="0"/>
-              <a:t/>
+              <a:t>Nesta aula, você vai aprender os conceitos principais apresentados nos objetivos. Você já tentou estudar quando estava ansioso, frustrado ou desanimado? Provavelmente não rendeu nada. As emoções são filtros através dos quais todo aprendizado passa.
+Hoje vamos desenvolver sua</a:t>
             </a:r>
             <a:endParaRPr lang="en-US" dirty="0"/>
           </a:p>
@@ -1038,7 +1129,7 @@
           <a:p>
             <a:r>
               <a:rPr lang="en-US" dirty="0"/>
-              <a:t/>
+              <a:t>Resumo dos pontos principais da aula. Conceitos fundamentais apresentados. Técnicas práticas demonstradas. Aplicação imediata possível. Conexão com próximos conteúdos</a:t>
             </a:r>
             <a:endParaRPr lang="en-US" dirty="0"/>
           </a:p>
@@ -1126,7 +1217,7 @@
           <a:p>
             <a:r>
               <a:rPr lang="en-US" dirty="0"/>
-              <a:t/>
+              <a:t>Este infográfico resume visualmente os principais conceitos da aula. Use-o para reforçar o aprendizado. Conceitos fundamentais apresentados. Técnicas práticas demonstradas. Aplicação imediata possível. Conexão com próximos conteúdos</a:t>
             </a:r>
             <a:endParaRPr lang="en-US" dirty="0"/>
           </a:p>
@@ -1214,7 +1305,12 @@
           <a:p>
             <a:r>
               <a:rPr lang="en-US" dirty="0"/>
-              <a:t/>
+              <a:t>Agora é hora da prática! 1. Diário Emocional de Estudo (1 semana):
+   - Antes de estudar: Como me sinto? (1-10)
+   - Durante: Que emoções surgem?
+   - Depois: Como ficou meu humor?
+2. Pratique a respiração 4-7-8 por 3 dias
+3. Identifique 3 gatilhos e crie um plano para cada</a:t>
             </a:r>
             <a:endParaRPr lang="en-US" dirty="0"/>
           </a:p>
@@ -1640,7 +1736,7 @@
                 <a:ea typeface="Arial" pitchFamily="34" charset="-122"/>
                 <a:cs typeface="Arial" pitchFamily="34" charset="-120"/>
               </a:rPr>
-              <a:t>Módulo 1 - Hiperfoco | Bloco: Aprendizagem</a:t>
+              <a:t>1 - Hiperfoco e Hiperprodutividade | Bloco: Aprendizagem</a:t>
             </a:r>
             <a:endParaRPr lang="en-US" sz="1400" dirty="0"/>
           </a:p>
@@ -1881,7 +1977,7 @@
                 <a:ea typeface="Arial" pitchFamily="34" charset="-122"/>
                 <a:cs typeface="Arial" pitchFamily="34" charset="-120"/>
               </a:rPr>
-              <a:t>⏱ Duração: ~25 min</a:t>
+              <a:t>⏱ Duração: ~20-25 minutos</a:t>
             </a:r>
             <a:endParaRPr lang="en-US" sz="1100" dirty="0"/>
           </a:p>
@@ -2017,7 +2113,7 @@
       </p:sp>
       <p:pic>
         <p:nvPicPr>
-          <p:cNvPr id="16" name="Image 0" descr="preencoded.png">    </p:cNvPr>
+          <p:cNvPr id="17" name="Image 0" descr="preencoded.png">    </p:cNvPr>
           <p:cNvPicPr>
             <a:picLocks noChangeAspect="1"/>
           </p:cNvPicPr>
@@ -2033,6 +2129,371 @@
           <a:xfrm>
             <a:off x="7498080" y="4389120"/>
             <a:ext cx="1371600" cy="548640"/>
+          </a:xfrm>
+          <a:prstGeom prst="rect">
+            <a:avLst/>
+          </a:prstGeom>
+        </p:spPr>
+      </p:pic>
+    </p:spTree>
+  </p:cSld>
+  <p:clrMapOvr>
+    <a:masterClrMapping/>
+  </p:clrMapOvr>
+</p:sld>
+</file>
+
+<file path=ppt/slides/slide10.xml><?xml version="1.0" encoding="utf-8"?>
+<p:sld xmlns:a="http://schemas.openxmlformats.org/drawingml/2006/main" xmlns:r="http://schemas.openxmlformats.org/officeDocument/2006/relationships" xmlns:p="http://schemas.openxmlformats.org/presentationml/2006/main">
+  <p:cSld name="Slide 10">
+    <p:bg>
+      <p:bgPr>
+        <a:solidFill>
+          <a:srgbClr val="1A1A2E"/>
+        </a:solidFill>
+      </p:bgPr>
+    </p:bg>
+    <p:spTree>
+      <p:nvGrpSpPr>
+        <p:cNvPr id="1" name=""/>
+        <p:cNvGrpSpPr/>
+        <p:nvPr/>
+      </p:nvGrpSpPr>
+      <p:grpSpPr>
+        <a:xfrm>
+          <a:off x="0" y="0"/>
+          <a:ext cx="0" cy="0"/>
+          <a:chOff x="0" y="0"/>
+          <a:chExt cx="0" cy="0"/>
+        </a:xfrm>
+      </p:grpSpPr>
+      <p:sp>
+        <p:nvSpPr>
+          <p:cNvPr id="2" name="Shape 0"/>
+          <p:cNvSpPr/>
+          <p:nvPr/>
+        </p:nvSpPr>
+        <p:spPr>
+          <a:xfrm>
+            <a:off x="0" y="0"/>
+            <a:ext cx="9144000" cy="822960"/>
+          </a:xfrm>
+          <a:prstGeom prst="rect">
+            <a:avLst/>
+          </a:prstGeom>
+          <a:solidFill>
+            <a:srgbClr val="0F172A"/>
+          </a:solidFill>
+          <a:ln/>
+        </p:spPr>
+      </p:sp>
+      <p:sp>
+        <p:nvSpPr>
+          <p:cNvPr id="3" name="Text 1"/>
+          <p:cNvSpPr/>
+          <p:nvPr/>
+        </p:nvSpPr>
+        <p:spPr>
+          <a:xfrm>
+            <a:off x="457200" y="228600"/>
+            <a:ext cx="8229600" cy="457200"/>
+          </a:xfrm>
+          <a:prstGeom prst="rect">
+            <a:avLst/>
+          </a:prstGeom>
+          <a:noFill/>
+          <a:ln/>
+        </p:spPr>
+        <p:txBody>
+          <a:bodyPr wrap="square" rtlCol="0" anchor="ctr"/>
+          <a:lstStyle/>
+          <a:p>
+            <a:pPr indent="0" marL="0">
+              <a:buNone/>
+            </a:pPr>
+            <a:r>
+              <a:rPr lang="en-US" sz="2000" b="1" dirty="0">
+                <a:solidFill>
+                  <a:srgbClr val="FFFFFF"/>
+                </a:solidFill>
+                <a:latin typeface="Arial" pitchFamily="34" charset="0"/>
+                <a:ea typeface="Arial" pitchFamily="34" charset="-122"/>
+                <a:cs typeface="Arial" pitchFamily="34" charset="-120"/>
+              </a:rPr>
+              <a:t>Aula 13 - Encerramento</a:t>
+            </a:r>
+            <a:endParaRPr lang="en-US" sz="2000" dirty="0"/>
+          </a:p>
+        </p:txBody>
+      </p:sp>
+      <p:sp>
+        <p:nvSpPr>
+          <p:cNvPr id="4" name="Shape 2"/>
+          <p:cNvSpPr/>
+          <p:nvPr/>
+        </p:nvSpPr>
+        <p:spPr>
+          <a:xfrm>
+            <a:off x="0" y="822960"/>
+            <a:ext cx="2743200" cy="91440"/>
+          </a:xfrm>
+          <a:prstGeom prst="rect">
+            <a:avLst/>
+          </a:prstGeom>
+          <a:solidFill>
+            <a:srgbClr val="667EEA"/>
+          </a:solidFill>
+          <a:ln/>
+        </p:spPr>
+      </p:sp>
+      <p:sp>
+        <p:nvSpPr>
+          <p:cNvPr id="5" name="Shape 3"/>
+          <p:cNvSpPr/>
+          <p:nvPr/>
+        </p:nvSpPr>
+        <p:spPr>
+          <a:xfrm>
+            <a:off x="3200400" y="822960"/>
+            <a:ext cx="2743200" cy="91440"/>
+          </a:xfrm>
+          <a:prstGeom prst="rect">
+            <a:avLst/>
+          </a:prstGeom>
+          <a:solidFill>
+            <a:srgbClr val="22C55E"/>
+          </a:solidFill>
+          <a:ln/>
+        </p:spPr>
+      </p:sp>
+      <p:sp>
+        <p:nvSpPr>
+          <p:cNvPr id="6" name="Shape 4"/>
+          <p:cNvSpPr/>
+          <p:nvPr/>
+        </p:nvSpPr>
+        <p:spPr>
+          <a:xfrm>
+            <a:off x="6400800" y="822960"/>
+            <a:ext cx="2743200" cy="91440"/>
+          </a:xfrm>
+          <a:prstGeom prst="rect">
+            <a:avLst/>
+          </a:prstGeom>
+          <a:solidFill>
+            <a:srgbClr val="3B82F6"/>
+          </a:solidFill>
+          <a:ln/>
+        </p:spPr>
+      </p:sp>
+      <p:sp>
+        <p:nvSpPr>
+          <p:cNvPr id="7" name="Shape 5"/>
+          <p:cNvSpPr/>
+          <p:nvPr/>
+        </p:nvSpPr>
+        <p:spPr>
+          <a:xfrm>
+            <a:off x="914400" y="1371600"/>
+            <a:ext cx="7315200" cy="1828800"/>
+          </a:xfrm>
+          <a:prstGeom prst="roundRect">
+            <a:avLst/>
+          </a:prstGeom>
+          <a:solidFill>
+            <a:srgbClr val="2A2A4A"/>
+          </a:solidFill>
+          <a:ln w="25400">
+            <a:solidFill>
+              <a:srgbClr val="667EEA"/>
+            </a:solidFill>
+            <a:prstDash val="solid"/>
+          </a:ln>
+        </p:spPr>
+      </p:sp>
+      <p:sp>
+        <p:nvSpPr>
+          <p:cNvPr id="8" name="Text 6"/>
+          <p:cNvSpPr/>
+          <p:nvPr/>
+        </p:nvSpPr>
+        <p:spPr>
+          <a:xfrm>
+            <a:off x="1097280" y="1371600"/>
+            <a:ext cx="457200" cy="731520"/>
+          </a:xfrm>
+          <a:prstGeom prst="rect">
+            <a:avLst/>
+          </a:prstGeom>
+          <a:noFill/>
+          <a:ln/>
+        </p:spPr>
+        <p:txBody>
+          <a:bodyPr wrap="square" rtlCol="0" anchor="ctr"/>
+          <a:lstStyle/>
+          <a:p>
+            <a:pPr indent="0" marL="0">
+              <a:buNone/>
+            </a:pPr>
+            <a:r>
+              <a:rPr lang="en-US" sz="4800" i="1" dirty="0">
+                <a:solidFill>
+                  <a:srgbClr val="667EEA"/>
+                </a:solidFill>
+                <a:latin typeface="Georgia" pitchFamily="34" charset="0"/>
+                <a:ea typeface="Georgia" pitchFamily="34" charset="-122"/>
+                <a:cs typeface="Georgia" pitchFamily="34" charset="-120"/>
+              </a:rPr>
+              <a:t>"</a:t>
+            </a:r>
+            <a:endParaRPr lang="en-US" sz="4800" dirty="0"/>
+          </a:p>
+        </p:txBody>
+      </p:sp>
+      <p:sp>
+        <p:nvSpPr>
+          <p:cNvPr id="9" name="Text 7"/>
+          <p:cNvSpPr/>
+          <p:nvPr/>
+        </p:nvSpPr>
+        <p:spPr>
+          <a:xfrm>
+            <a:off x="1371600" y="1737360"/>
+            <a:ext cx="6400800" cy="1097280"/>
+          </a:xfrm>
+          <a:prstGeom prst="rect">
+            <a:avLst/>
+          </a:prstGeom>
+          <a:noFill/>
+          <a:ln/>
+        </p:spPr>
+        <p:txBody>
+          <a:bodyPr wrap="square" rtlCol="0" anchor="ctr"/>
+          <a:lstStyle/>
+          <a:p>
+            <a:pPr algn="ctr" indent="0" marL="0">
+              <a:buNone/>
+            </a:pPr>
+            <a:endParaRPr lang="en-US" sz="1600" dirty="0"/>
+          </a:p>
+        </p:txBody>
+      </p:sp>
+      <p:sp>
+        <p:nvSpPr>
+          <p:cNvPr id="10" name="Shape 8"/>
+          <p:cNvSpPr/>
+          <p:nvPr/>
+        </p:nvSpPr>
+        <p:spPr>
+          <a:xfrm>
+            <a:off x="0" y="3840480"/>
+            <a:ext cx="9144000" cy="822960"/>
+          </a:xfrm>
+          <a:prstGeom prst="rect">
+            <a:avLst/>
+          </a:prstGeom>
+          <a:solidFill>
+            <a:srgbClr val="0F172A"/>
+          </a:solidFill>
+          <a:ln/>
+        </p:spPr>
+      </p:sp>
+      <p:sp>
+        <p:nvSpPr>
+          <p:cNvPr id="11" name="Text 9"/>
+          <p:cNvSpPr/>
+          <p:nvPr/>
+        </p:nvSpPr>
+        <p:spPr>
+          <a:xfrm>
+            <a:off x="457200" y="3977640"/>
+            <a:ext cx="3657600" cy="274320"/>
+          </a:xfrm>
+          <a:prstGeom prst="rect">
+            <a:avLst/>
+          </a:prstGeom>
+          <a:noFill/>
+          <a:ln/>
+        </p:spPr>
+        <p:txBody>
+          <a:bodyPr wrap="square" rtlCol="0" anchor="ctr"/>
+          <a:lstStyle/>
+          <a:p>
+            <a:pPr indent="0" marL="0">
+              <a:buNone/>
+            </a:pPr>
+            <a:r>
+              <a:rPr lang="en-US" sz="1400" b="1" dirty="0">
+                <a:solidFill>
+                  <a:srgbClr val="22C55E"/>
+                </a:solidFill>
+                <a:latin typeface="Arial" pitchFamily="34" charset="0"/>
+                <a:ea typeface="Arial" pitchFamily="34" charset="-122"/>
+                <a:cs typeface="Arial" pitchFamily="34" charset="-120"/>
+              </a:rPr>
+              <a:t>Educa com Talento</a:t>
+            </a:r>
+            <a:endParaRPr lang="en-US" sz="1400" dirty="0"/>
+          </a:p>
+        </p:txBody>
+      </p:sp>
+      <p:sp>
+        <p:nvSpPr>
+          <p:cNvPr id="12" name="Text 10"/>
+          <p:cNvSpPr/>
+          <p:nvPr/>
+        </p:nvSpPr>
+        <p:spPr>
+          <a:xfrm>
+            <a:off x="457200" y="4251960"/>
+            <a:ext cx="3657600" cy="228600"/>
+          </a:xfrm>
+          <a:prstGeom prst="rect">
+            <a:avLst/>
+          </a:prstGeom>
+          <a:noFill/>
+          <a:ln/>
+        </p:spPr>
+        <p:txBody>
+          <a:bodyPr wrap="square" rtlCol="0" anchor="ctr"/>
+          <a:lstStyle/>
+          <a:p>
+            <a:pPr indent="0" marL="0">
+              <a:buNone/>
+            </a:pPr>
+            <a:r>
+              <a:rPr lang="en-US" sz="1000" dirty="0">
+                <a:solidFill>
+                  <a:srgbClr val="667EEA"/>
+                </a:solidFill>
+                <a:latin typeface="Arial" pitchFamily="34" charset="0"/>
+                <a:ea typeface="Arial" pitchFamily="34" charset="-122"/>
+                <a:cs typeface="Arial" pitchFamily="34" charset="-120"/>
+              </a:rPr>
+              <a:t>www.educacomtalento.com.br</a:t>
+            </a:r>
+            <a:endParaRPr lang="en-US" sz="1000" dirty="0"/>
+          </a:p>
+        </p:txBody>
+      </p:sp>
+      <p:pic>
+        <p:nvPicPr>
+          <p:cNvPr id="14" name="Image 0" descr="preencoded.png">    </p:cNvPr>
+          <p:cNvPicPr>
+            <a:picLocks noChangeAspect="1"/>
+          </p:cNvPicPr>
+          <p:nvPr/>
+        </p:nvPicPr>
+        <p:blipFill>
+          <a:blip r:embed="rId1"/>
+          <a:stretch>
+            <a:fillRect/>
+          </a:stretch>
+        </p:blipFill>
+        <p:spPr>
+          <a:xfrm>
+            <a:off x="6400800" y="3886200"/>
+            <a:ext cx="2286000" cy="914400"/>
           </a:xfrm>
           <a:prstGeom prst="rect">
             <a:avLst/>
@@ -2247,7 +2708,7 @@
                 <a:ea typeface="Arial" pitchFamily="34" charset="-122"/>
                 <a:cs typeface="Arial" pitchFamily="34" charset="-120"/>
               </a:rPr>
-              <a:t>Entender como emoções afetam o foco</a:t>
+              <a:t>Conceitos fundamentais apresentados</a:t>
             </a:r>
             <a:endParaRPr lang="en-US" sz="1600" dirty="0"/>
           </a:p>
@@ -2370,7 +2831,7 @@
                 <a:ea typeface="Arial" pitchFamily="34" charset="-122"/>
                 <a:cs typeface="Arial" pitchFamily="34" charset="-120"/>
               </a:rPr>
-              <a:t>Identificar seus gatilhos emocionais</a:t>
+              <a:t>Técnicas práticas demonstradas</a:t>
             </a:r>
             <a:endParaRPr lang="en-US" sz="1600" dirty="0"/>
           </a:p>
@@ -2493,7 +2954,7 @@
                 <a:ea typeface="Arial" pitchFamily="34" charset="-122"/>
                 <a:cs typeface="Arial" pitchFamily="34" charset="-120"/>
               </a:rPr>
-              <a:t>Aplicar técnicas de regulação</a:t>
+              <a:t>Aplicação imediata possível</a:t>
             </a:r>
             <a:endParaRPr lang="en-US" sz="1600" dirty="0"/>
           </a:p>
@@ -2521,7 +2982,7 @@
       </p:sp>
       <p:pic>
         <p:nvPicPr>
-          <p:cNvPr id="17" name="Image 0" descr="preencoded.png">    </p:cNvPr>
+          <p:cNvPr id="18" name="Image 0" descr="preencoded.png">    </p:cNvPr>
           <p:cNvPicPr>
             <a:picLocks noChangeAspect="1"/>
           </p:cNvPicPr>
@@ -2707,7 +3168,7 @@
                 <a:ea typeface="Arial" pitchFamily="34" charset="-122"/>
                 <a:cs typeface="Arial" pitchFamily="34" charset="-120"/>
               </a:rPr>
-              <a:t>Emoções e Aprendizado</a:t>
+              <a:t>Emoções e aprendizado</a:t>
             </a:r>
             <a:endParaRPr lang="en-US" sz="2000" dirty="0"/>
           </a:p>
@@ -2830,7 +3291,7 @@
                 <a:ea typeface="Arial" pitchFamily="34" charset="-122"/>
                 <a:cs typeface="Arial" pitchFamily="34" charset="-120"/>
               </a:rPr>
-              <a:t>Emoções são filtros para tudo</a:t>
+              <a:t>Como emoções afetam o foco</a:t>
             </a:r>
             <a:endParaRPr lang="en-US" sz="1400" dirty="0"/>
           </a:p>
@@ -2953,7 +3414,7 @@
                 <a:ea typeface="Arial" pitchFamily="34" charset="-122"/>
                 <a:cs typeface="Arial" pitchFamily="34" charset="-120"/>
               </a:rPr>
-              <a:t>Ansiedade sabota o foco</a:t>
+              <a:t>Ansiedade como sabotadora</a:t>
             </a:r>
             <a:endParaRPr lang="en-US" sz="1400" dirty="0"/>
           </a:p>
@@ -3076,7 +3537,7 @@
                 <a:ea typeface="Arial" pitchFamily="34" charset="-122"/>
                 <a:cs typeface="Arial" pitchFamily="34" charset="-120"/>
               </a:rPr>
-              <a:t>Estado emocional ideal existe</a:t>
+              <a:t>Estado emocional ideal para estudar</a:t>
             </a:r>
             <a:endParaRPr lang="en-US" sz="1400" dirty="0"/>
           </a:p>
@@ -3099,42 +3560,12 @@
           <a:solidFill>
             <a:srgbClr val="667EEA"/>
           </a:solidFill>
-          <a:ln w="12700">
-            <a:solidFill>
-              <a:srgbClr val="000000"/>
-            </a:solidFill>
-            <a:prstDash val="solid"/>
-          </a:ln>
-        </p:spPr>
-      </p:sp>
-      <p:sp>
-        <p:nvSpPr>
-          <p:cNvPr id="20" name="Shape 18"/>
-          <p:cNvSpPr/>
-          <p:nvPr/>
-        </p:nvSpPr>
-        <p:spPr>
-          <a:xfrm>
-            <a:off x="8503920" y="4297680"/>
-            <a:ext cx="274320" cy="274320"/>
-          </a:xfrm>
-          <a:prstGeom prst="rect">
-            <a:avLst/>
-          </a:prstGeom>
-          <a:solidFill>
-            <a:srgbClr val="2A2A4A"/>
-          </a:solidFill>
-          <a:ln w="12700">
-            <a:solidFill>
-              <a:srgbClr val="667EEA"/>
-            </a:solidFill>
-            <a:prstDash val="solid"/>
-          </a:ln>
+          <a:ln/>
         </p:spPr>
       </p:sp>
       <p:pic>
         <p:nvPicPr>
-          <p:cNvPr id="21" name="Image 0" descr="preencoded.png">    </p:cNvPr>
+          <p:cNvPr id="20" name="Image 0" descr="preencoded.png">    </p:cNvPr>
           <p:cNvPicPr>
             <a:picLocks noChangeAspect="1"/>
           </p:cNvPicPr>
@@ -3320,7 +3751,7 @@
                 <a:ea typeface="Arial" pitchFamily="34" charset="-122"/>
                 <a:cs typeface="Arial" pitchFamily="34" charset="-120"/>
               </a:rPr>
-              <a:t>Autoconhecimento</a:t>
+              <a:t>Autoconhecimento emocional</a:t>
             </a:r>
             <a:endParaRPr lang="en-US" sz="2000" dirty="0"/>
           </a:p>
@@ -3443,7 +3874,7 @@
                 <a:ea typeface="Arial" pitchFamily="34" charset="-122"/>
                 <a:cs typeface="Arial" pitchFamily="34" charset="-120"/>
               </a:rPr>
-              <a:t>Identifique seus gatilhos</a:t>
+              <a:t>Identificando seus gatilhos</a:t>
             </a:r>
             <a:endParaRPr lang="en-US" sz="1400" dirty="0"/>
           </a:p>
@@ -3566,7 +3997,7 @@
                 <a:ea typeface="Arial" pitchFamily="34" charset="-122"/>
                 <a:cs typeface="Arial" pitchFamily="34" charset="-120"/>
               </a:rPr>
-              <a:t>Reconheça padrões emocionais</a:t>
+              <a:t>Padrões emocionais no estudo</a:t>
             </a:r>
             <a:endParaRPr lang="en-US" sz="1400" dirty="0"/>
           </a:p>
@@ -3689,7 +4120,7 @@
                 <a:ea typeface="Arial" pitchFamily="34" charset="-122"/>
                 <a:cs typeface="Arial" pitchFamily="34" charset="-120"/>
               </a:rPr>
-              <a:t>Use o termômetro emocional</a:t>
+              <a:t>O termômetro emocional</a:t>
             </a:r>
             <a:endParaRPr lang="en-US" sz="1400" dirty="0"/>
           </a:p>
@@ -3712,42 +4143,12 @@
           <a:solidFill>
             <a:srgbClr val="22C55E"/>
           </a:solidFill>
-          <a:ln w="12700">
-            <a:solidFill>
-              <a:srgbClr val="000000"/>
-            </a:solidFill>
-            <a:prstDash val="solid"/>
-          </a:ln>
-        </p:spPr>
-      </p:sp>
-      <p:sp>
-        <p:nvSpPr>
-          <p:cNvPr id="20" name="Shape 18"/>
-          <p:cNvSpPr/>
-          <p:nvPr/>
-        </p:nvSpPr>
-        <p:spPr>
-          <a:xfrm>
-            <a:off x="8503920" y="4297680"/>
-            <a:ext cx="274320" cy="274320"/>
-          </a:xfrm>
-          <a:prstGeom prst="rect">
-            <a:avLst/>
-          </a:prstGeom>
-          <a:solidFill>
-            <a:srgbClr val="2A2A4A"/>
-          </a:solidFill>
-          <a:ln w="12700">
-            <a:solidFill>
-              <a:srgbClr val="22C55E"/>
-            </a:solidFill>
-            <a:prstDash val="solid"/>
-          </a:ln>
+          <a:ln/>
         </p:spPr>
       </p:sp>
       <p:pic>
         <p:nvPicPr>
-          <p:cNvPr id="21" name="Image 0" descr="preencoded.png">    </p:cNvPr>
+          <p:cNvPr id="20" name="Image 0" descr="preencoded.png">    </p:cNvPr>
           <p:cNvPicPr>
             <a:picLocks noChangeAspect="1"/>
           </p:cNvPicPr>
@@ -3933,7 +4334,7 @@
                 <a:ea typeface="Arial" pitchFamily="34" charset="-122"/>
                 <a:cs typeface="Arial" pitchFamily="34" charset="-120"/>
               </a:rPr>
-              <a:t>Técnicas de Regulação</a:t>
+              <a:t>Técnicas de regulação</a:t>
             </a:r>
             <a:endParaRPr lang="en-US" sz="2000" dirty="0"/>
           </a:p>
@@ -4056,7 +4457,7 @@
                 <a:ea typeface="Arial" pitchFamily="34" charset="-122"/>
                 <a:cs typeface="Arial" pitchFamily="34" charset="-120"/>
               </a:rPr>
-              <a:t>Respiração 4-7-8: acalma</a:t>
+              <a:t>Respiração 4-7-8</a:t>
             </a:r>
             <a:endParaRPr lang="en-US" sz="1400" dirty="0"/>
           </a:p>
@@ -4179,7 +4580,7 @@
                 <a:ea typeface="Arial" pitchFamily="34" charset="-122"/>
                 <a:cs typeface="Arial" pitchFamily="34" charset="-120"/>
               </a:rPr>
-              <a:t>Reframing: mude a narrativa</a:t>
+              <a:t>Reframing cognitivo</a:t>
             </a:r>
             <a:endParaRPr lang="en-US" sz="1400" dirty="0"/>
           </a:p>
@@ -4302,7 +4703,7 @@
                 <a:ea typeface="Arial" pitchFamily="34" charset="-122"/>
                 <a:cs typeface="Arial" pitchFamily="34" charset="-120"/>
               </a:rPr>
-              <a:t>Grounding: volte ao presente</a:t>
+              <a:t>Grounding (ancoragem)</a:t>
             </a:r>
             <a:endParaRPr lang="en-US" sz="1400" dirty="0"/>
           </a:p>
@@ -4448,42 +4849,12 @@
           <a:solidFill>
             <a:srgbClr val="3B82F6"/>
           </a:solidFill>
-          <a:ln w="12700">
-            <a:solidFill>
-              <a:srgbClr val="000000"/>
-            </a:solidFill>
-            <a:prstDash val="solid"/>
-          </a:ln>
-        </p:spPr>
-      </p:sp>
-      <p:sp>
-        <p:nvSpPr>
-          <p:cNvPr id="24" name="Shape 22"/>
-          <p:cNvSpPr/>
-          <p:nvPr/>
-        </p:nvSpPr>
-        <p:spPr>
-          <a:xfrm>
-            <a:off x="8503920" y="4297680"/>
-            <a:ext cx="274320" cy="274320"/>
-          </a:xfrm>
-          <a:prstGeom prst="rect">
-            <a:avLst/>
-          </a:prstGeom>
-          <a:solidFill>
-            <a:srgbClr val="2A2A4A"/>
-          </a:solidFill>
-          <a:ln w="12700">
-            <a:solidFill>
-              <a:srgbClr val="3B82F6"/>
-            </a:solidFill>
-            <a:prstDash val="solid"/>
-          </a:ln>
+          <a:ln/>
         </p:spPr>
       </p:sp>
       <p:pic>
         <p:nvPicPr>
-          <p:cNvPr id="25" name="Image 0" descr="preencoded.png">    </p:cNvPr>
+          <p:cNvPr id="24" name="Image 0" descr="preencoded.png">    </p:cNvPr>
           <p:cNvPicPr>
             <a:picLocks noChangeAspect="1"/>
           </p:cNvPicPr>
@@ -4669,7 +5040,7 @@
                 <a:ea typeface="Arial" pitchFamily="34" charset="-122"/>
                 <a:cs typeface="Arial" pitchFamily="34" charset="-120"/>
               </a:rPr>
-              <a:t>Construindo Resiliência</a:t>
+              <a:t>Construindo resiliência</a:t>
             </a:r>
             <a:endParaRPr lang="en-US" sz="2000" dirty="0"/>
           </a:p>
@@ -4792,7 +5163,7 @@
                 <a:ea typeface="Arial" pitchFamily="34" charset="-122"/>
                 <a:cs typeface="Arial" pitchFamily="34" charset="-120"/>
               </a:rPr>
-              <a:t>Frustração é parte do processo</a:t>
+              <a:t>Lidando com frustração</a:t>
             </a:r>
             <a:endParaRPr lang="en-US" sz="1400" dirty="0"/>
           </a:p>
@@ -4915,7 +5286,7 @@
                 <a:ea typeface="Arial" pitchFamily="34" charset="-122"/>
                 <a:cs typeface="Arial" pitchFamily="34" charset="-120"/>
               </a:rPr>
-              <a:t>Erros são feedback, não fracasso</a:t>
+              <a:t>Transformando erros em aprendizado</a:t>
             </a:r>
             <a:endParaRPr lang="en-US" sz="1400" dirty="0"/>
           </a:p>
@@ -5061,42 +5432,12 @@
           <a:solidFill>
             <a:srgbClr val="9333EA"/>
           </a:solidFill>
-          <a:ln w="12700">
-            <a:solidFill>
-              <a:srgbClr val="000000"/>
-            </a:solidFill>
-            <a:prstDash val="solid"/>
-          </a:ln>
-        </p:spPr>
-      </p:sp>
-      <p:sp>
-        <p:nvSpPr>
-          <p:cNvPr id="20" name="Shape 18"/>
-          <p:cNvSpPr/>
-          <p:nvPr/>
-        </p:nvSpPr>
-        <p:spPr>
-          <a:xfrm>
-            <a:off x="8503920" y="4297680"/>
-            <a:ext cx="274320" cy="274320"/>
-          </a:xfrm>
-          <a:prstGeom prst="rect">
-            <a:avLst/>
-          </a:prstGeom>
-          <a:solidFill>
-            <a:srgbClr val="2A2A4A"/>
-          </a:solidFill>
-          <a:ln w="12700">
-            <a:solidFill>
-              <a:srgbClr val="9333EA"/>
-            </a:solidFill>
-            <a:prstDash val="solid"/>
-          </a:ln>
+          <a:ln/>
         </p:spPr>
       </p:sp>
       <p:pic>
         <p:nvPicPr>
-          <p:cNvPr id="21" name="Image 0" descr="preencoded.png">    </p:cNvPr>
+          <p:cNvPr id="20" name="Image 0" descr="preencoded.png">    </p:cNvPr>
           <p:cNvPicPr>
             <a:picLocks noChangeAspect="1"/>
           </p:cNvPicPr>
@@ -5366,7 +5707,7 @@
                 <a:ea typeface="Arial" pitchFamily="34" charset="-122"/>
                 <a:cs typeface="Arial" pitchFamily="34" charset="-120"/>
               </a:rPr>
-              <a:t>Emoções afetam diretamente a capacidade de foco</a:t>
+              <a:t>Conceitos fundamentais apresentados</a:t>
             </a:r>
             <a:endParaRPr lang="en-US" sz="1400" dirty="0"/>
           </a:p>
@@ -5489,7 +5830,7 @@
                 <a:ea typeface="Arial" pitchFamily="34" charset="-122"/>
                 <a:cs typeface="Arial" pitchFamily="34" charset="-120"/>
               </a:rPr>
-              <a:t>Identifique seus gatilhos emocionais específicos</a:t>
+              <a:t>Técnicas práticas demonstradas</a:t>
             </a:r>
             <a:endParaRPr lang="en-US" sz="1400" dirty="0"/>
           </a:p>
@@ -5612,7 +5953,7 @@
                 <a:ea typeface="Arial" pitchFamily="34" charset="-122"/>
                 <a:cs typeface="Arial" pitchFamily="34" charset="-120"/>
               </a:rPr>
-              <a:t>Técnicas: respiração 4-7-8, reframing, grounding</a:t>
+              <a:t>Aplicação imediata possível</a:t>
             </a:r>
             <a:endParaRPr lang="en-US" sz="1400" dirty="0"/>
           </a:p>
@@ -5735,7 +6076,7 @@
                 <a:ea typeface="Arial" pitchFamily="34" charset="-122"/>
                 <a:cs typeface="Arial" pitchFamily="34" charset="-120"/>
               </a:rPr>
-              <a:t>"Ainda não sei" é diferente de "não consigo"</a:t>
+              <a:t>Conexão com próximos conteúdos</a:t>
             </a:r>
             <a:endParaRPr lang="en-US" sz="1400" dirty="0"/>
           </a:p>
@@ -5743,7 +6084,7 @@
       </p:sp>
       <p:pic>
         <p:nvPicPr>
-          <p:cNvPr id="22" name="Image 0" descr="preencoded.png">    </p:cNvPr>
+          <p:cNvPr id="23" name="Image 0" descr="preencoded.png">    </p:cNvPr>
           <p:cNvPicPr>
             <a:picLocks noChangeAspect="1"/>
           </p:cNvPicPr>
@@ -5850,332 +6191,15 @@
                 <a:ea typeface="Arial" pitchFamily="34" charset="-122"/>
                 <a:cs typeface="Arial" pitchFamily="34" charset="-120"/>
               </a:rPr>
-              <a:t>📝 Atividade Prática</a:t>
+              <a:t>📊 Infográfico da Aula</a:t>
             </a:r>
             <a:endParaRPr lang="en-US" sz="2000" dirty="0"/>
-          </a:p>
-        </p:txBody>
-      </p:sp>
-      <p:sp>
-        <p:nvSpPr>
-          <p:cNvPr id="4" name="Shape 2"/>
-          <p:cNvSpPr/>
-          <p:nvPr/>
-        </p:nvSpPr>
-        <p:spPr>
-          <a:xfrm>
-            <a:off x="457200" y="1005840"/>
-            <a:ext cx="8229600" cy="2560320"/>
-          </a:xfrm>
-          <a:prstGeom prst="roundRect">
-            <a:avLst/>
-          </a:prstGeom>
-          <a:solidFill>
-            <a:srgbClr val="2A2A4A"/>
-          </a:solidFill>
-          <a:ln w="38100">
-            <a:solidFill>
-              <a:srgbClr val="22C55E"/>
-            </a:solidFill>
-            <a:prstDash val="solid"/>
-          </a:ln>
-        </p:spPr>
-      </p:sp>
-      <p:sp>
-        <p:nvSpPr>
-          <p:cNvPr id="5" name="Shape 3"/>
-          <p:cNvSpPr/>
-          <p:nvPr/>
-        </p:nvSpPr>
-        <p:spPr>
-          <a:xfrm>
-            <a:off x="731520" y="1280160"/>
-            <a:ext cx="731520" cy="731520"/>
-          </a:xfrm>
-          <a:prstGeom prst="ellipse">
-            <a:avLst/>
-          </a:prstGeom>
-          <a:solidFill>
-            <a:srgbClr val="22C55E"/>
-          </a:solidFill>
-          <a:ln/>
-        </p:spPr>
-      </p:sp>
-      <p:sp>
-        <p:nvSpPr>
-          <p:cNvPr id="6" name="Text 4"/>
-          <p:cNvSpPr/>
-          <p:nvPr/>
-        </p:nvSpPr>
-        <p:spPr>
-          <a:xfrm>
-            <a:off x="731520" y="1371600"/>
-            <a:ext cx="731520" cy="548640"/>
-          </a:xfrm>
-          <a:prstGeom prst="rect">
-            <a:avLst/>
-          </a:prstGeom>
-          <a:noFill/>
-          <a:ln/>
-        </p:spPr>
-        <p:txBody>
-          <a:bodyPr wrap="square" rtlCol="0" anchor="ctr"/>
-          <a:lstStyle/>
-          <a:p>
-            <a:pPr algn="ctr" indent="0" marL="0">
-              <a:buNone/>
-            </a:pPr>
-            <a:r>
-              <a:rPr lang="en-US" sz="2800" b="1" dirty="0">
-                <a:solidFill>
-                  <a:srgbClr val="FFFFFF"/>
-                </a:solidFill>
-                <a:latin typeface="Arial" pitchFamily="34" charset="0"/>
-                <a:ea typeface="Arial" pitchFamily="34" charset="-122"/>
-                <a:cs typeface="Arial" pitchFamily="34" charset="-120"/>
-              </a:rPr>
-              <a:t>!</a:t>
-            </a:r>
-            <a:endParaRPr lang="en-US" sz="2800" dirty="0"/>
-          </a:p>
-        </p:txBody>
-      </p:sp>
-      <p:sp>
-        <p:nvSpPr>
-          <p:cNvPr id="7" name="Text 5"/>
-          <p:cNvSpPr/>
-          <p:nvPr/>
-        </p:nvSpPr>
-        <p:spPr>
-          <a:xfrm>
-            <a:off x="1645920" y="1280160"/>
-            <a:ext cx="6858000" cy="457200"/>
-          </a:xfrm>
-          <a:prstGeom prst="rect">
-            <a:avLst/>
-          </a:prstGeom>
-          <a:noFill/>
-          <a:ln/>
-        </p:spPr>
-        <p:txBody>
-          <a:bodyPr wrap="square" rtlCol="0" anchor="ctr"/>
-          <a:lstStyle/>
-          <a:p>
-            <a:pPr indent="0" marL="0">
-              <a:buNone/>
-            </a:pPr>
-            <a:r>
-              <a:rPr lang="en-US" sz="1600" b="1" dirty="0">
-                <a:solidFill>
-                  <a:srgbClr val="22C55E"/>
-                </a:solidFill>
-                <a:latin typeface="Arial" pitchFamily="34" charset="0"/>
-                <a:ea typeface="Arial" pitchFamily="34" charset="-122"/>
-                <a:cs typeface="Arial" pitchFamily="34" charset="-120"/>
-              </a:rPr>
-              <a:t>Sua Missão:</a:t>
-            </a:r>
-            <a:endParaRPr lang="en-US" sz="1600" dirty="0"/>
-          </a:p>
-        </p:txBody>
-      </p:sp>
-      <p:sp>
-        <p:nvSpPr>
-          <p:cNvPr id="8" name="Text 6"/>
-          <p:cNvSpPr/>
-          <p:nvPr/>
-        </p:nvSpPr>
-        <p:spPr>
-          <a:xfrm>
-            <a:off x="1645920" y="1737360"/>
-            <a:ext cx="6766560" cy="1645920"/>
-          </a:xfrm>
-          <a:prstGeom prst="rect">
-            <a:avLst/>
-          </a:prstGeom>
-          <a:noFill/>
-          <a:ln/>
-        </p:spPr>
-        <p:txBody>
-          <a:bodyPr wrap="square" rtlCol="0" anchor="t"/>
-          <a:lstStyle/>
-          <a:p>
-            <a:pPr indent="0" marL="0">
-              <a:buNone/>
-            </a:pPr>
-            <a:r>
-              <a:rPr lang="en-US" sz="1400" dirty="0">
-                <a:solidFill>
-                  <a:srgbClr val="FFFFFF"/>
-                </a:solidFill>
-                <a:latin typeface="Arial" pitchFamily="34" charset="0"/>
-                <a:ea typeface="Arial" pitchFamily="34" charset="-122"/>
-                <a:cs typeface="Arial" pitchFamily="34" charset="-120"/>
-              </a:rPr>
-              <a:t>Diário Emocional de Estudo (1 semana):</a:t>
-            </a:r>
-            <a:endParaRPr lang="en-US" sz="1400" dirty="0"/>
-          </a:p>
-          <a:p>
-            <a:pPr indent="0" marL="0">
-              <a:buNone/>
-            </a:pPr>
-            <a:endParaRPr lang="en-US" sz="1400" dirty="0"/>
-          </a:p>
-          <a:p>
-            <a:pPr indent="0" marL="0">
-              <a:buNone/>
-            </a:pPr>
-            <a:r>
-              <a:rPr lang="en-US" sz="1400" dirty="0">
-                <a:solidFill>
-                  <a:srgbClr val="FFFFFF"/>
-                </a:solidFill>
-                <a:latin typeface="Arial" pitchFamily="34" charset="0"/>
-                <a:ea typeface="Arial" pitchFamily="34" charset="-122"/>
-                <a:cs typeface="Arial" pitchFamily="34" charset="-120"/>
-              </a:rPr>
-              <a:t>1. Antes: Como me sinto? (1-10)</a:t>
-            </a:r>
-            <a:endParaRPr lang="en-US" sz="1400" dirty="0"/>
-          </a:p>
-          <a:p>
-            <a:pPr indent="0" marL="0">
-              <a:buNone/>
-            </a:pPr>
-            <a:r>
-              <a:rPr lang="en-US" sz="1400" dirty="0">
-                <a:solidFill>
-                  <a:srgbClr val="FFFFFF"/>
-                </a:solidFill>
-                <a:latin typeface="Arial" pitchFamily="34" charset="0"/>
-                <a:ea typeface="Arial" pitchFamily="34" charset="-122"/>
-                <a:cs typeface="Arial" pitchFamily="34" charset="-120"/>
-              </a:rPr>
-              <a:t>2. Durante: Que emoções surgem?</a:t>
-            </a:r>
-            <a:endParaRPr lang="en-US" sz="1400" dirty="0"/>
-          </a:p>
-          <a:p>
-            <a:pPr indent="0" marL="0">
-              <a:buNone/>
-            </a:pPr>
-            <a:r>
-              <a:rPr lang="en-US" sz="1400" dirty="0">
-                <a:solidFill>
-                  <a:srgbClr val="FFFFFF"/>
-                </a:solidFill>
-                <a:latin typeface="Arial" pitchFamily="34" charset="0"/>
-                <a:ea typeface="Arial" pitchFamily="34" charset="-122"/>
-                <a:cs typeface="Arial" pitchFamily="34" charset="-120"/>
-              </a:rPr>
-              <a:t>3. Depois: Como ficou meu humor?</a:t>
-            </a:r>
-            <a:endParaRPr lang="en-US" sz="1400" dirty="0"/>
-          </a:p>
-          <a:p>
-            <a:pPr indent="0" marL="0">
-              <a:buNone/>
-            </a:pPr>
-            <a:r>
-              <a:rPr lang="en-US" sz="1400" dirty="0">
-                <a:solidFill>
-                  <a:srgbClr val="FFFFFF"/>
-                </a:solidFill>
-                <a:latin typeface="Arial" pitchFamily="34" charset="0"/>
-                <a:ea typeface="Arial" pitchFamily="34" charset="-122"/>
-                <a:cs typeface="Arial" pitchFamily="34" charset="-120"/>
-              </a:rPr>
-              <a:t>4. Pratique respiração 4-7-8 diariamente</a:t>
-            </a:r>
-            <a:endParaRPr lang="en-US" sz="1400" dirty="0"/>
-          </a:p>
-          <a:p>
-            <a:pPr indent="0" marL="0">
-              <a:buNone/>
-            </a:pPr>
-            <a:r>
-              <a:rPr lang="en-US" sz="1400" dirty="0">
-                <a:solidFill>
-                  <a:srgbClr val="FFFFFF"/>
-                </a:solidFill>
-                <a:latin typeface="Arial" pitchFamily="34" charset="0"/>
-                <a:ea typeface="Arial" pitchFamily="34" charset="-122"/>
-                <a:cs typeface="Arial" pitchFamily="34" charset="-120"/>
-              </a:rPr>
-              <a:t>5. Identifique 3 gatilhos e crie plano</a:t>
-            </a:r>
-            <a:endParaRPr lang="en-US" sz="1400" dirty="0"/>
-          </a:p>
-        </p:txBody>
-      </p:sp>
-      <p:sp>
-        <p:nvSpPr>
-          <p:cNvPr id="9" name="Shape 7"/>
-          <p:cNvSpPr/>
-          <p:nvPr/>
-        </p:nvSpPr>
-        <p:spPr>
-          <a:xfrm>
-            <a:off x="457200" y="3749040"/>
-            <a:ext cx="8229600" cy="640080"/>
-          </a:xfrm>
-          <a:prstGeom prst="roundRect">
-            <a:avLst/>
-          </a:prstGeom>
-          <a:solidFill>
-            <a:srgbClr val="1E3A5F"/>
-          </a:solidFill>
-          <a:ln w="12700">
-            <a:solidFill>
-              <a:srgbClr val="667EEA"/>
-            </a:solidFill>
-            <a:prstDash val="solid"/>
-          </a:ln>
-        </p:spPr>
-      </p:sp>
-      <p:sp>
-        <p:nvSpPr>
-          <p:cNvPr id="10" name="Text 8"/>
-          <p:cNvSpPr/>
-          <p:nvPr/>
-        </p:nvSpPr>
-        <p:spPr>
-          <a:xfrm>
-            <a:off x="457200" y="3886200"/>
-            <a:ext cx="8229600" cy="365760"/>
-          </a:xfrm>
-          <a:prstGeom prst="rect">
-            <a:avLst/>
-          </a:prstGeom>
-          <a:noFill/>
-          <a:ln/>
-        </p:spPr>
-        <p:txBody>
-          <a:bodyPr wrap="square" rtlCol="0" anchor="ctr"/>
-          <a:lstStyle/>
-          <a:p>
-            <a:pPr algn="ctr" indent="0" marL="0">
-              <a:buNone/>
-            </a:pPr>
-            <a:r>
-              <a:rPr lang="en-US" sz="1300" dirty="0">
-                <a:solidFill>
-                  <a:srgbClr val="FFFFFF"/>
-                </a:solidFill>
-                <a:latin typeface="Arial" pitchFamily="34" charset="0"/>
-                <a:ea typeface="Arial" pitchFamily="34" charset="-122"/>
-                <a:cs typeface="Arial" pitchFamily="34" charset="-120"/>
-              </a:rPr>
-              <a:t>📤 Envie na área de atividades do Moodle</a:t>
-            </a:r>
-            <a:endParaRPr lang="en-US" sz="1300" dirty="0"/>
           </a:p>
         </p:txBody>
       </p:sp>
       <p:pic>
         <p:nvPicPr>
-          <p:cNvPr id="11" name="Image 0" descr="preencoded.png">    </p:cNvPr>
+          <p:cNvPr id="4" name="Image 0" descr="preencoded.png">    </p:cNvPr>
           <p:cNvPicPr>
             <a:picLocks noChangeAspect="1"/>
           </p:cNvPicPr>
@@ -6183,6 +6207,305 @@
         </p:nvPicPr>
         <p:blipFill>
           <a:blip r:embed="rId1"/>
+          <a:stretch>
+            <a:fillRect/>
+          </a:stretch>
+        </p:blipFill>
+        <p:spPr>
+          <a:xfrm>
+            <a:off x="274320" y="914400"/>
+            <a:ext cx="5486400" cy="3383280"/>
+          </a:xfrm>
+          <a:prstGeom prst="rect">
+            <a:avLst/>
+          </a:prstGeom>
+        </p:spPr>
+      </p:pic>
+      <p:sp>
+        <p:nvSpPr>
+          <p:cNvPr id="5" name="Text 2"/>
+          <p:cNvSpPr/>
+          <p:nvPr/>
+        </p:nvSpPr>
+        <p:spPr>
+          <a:xfrm>
+            <a:off x="5943600" y="914400"/>
+            <a:ext cx="3017520" cy="365760"/>
+          </a:xfrm>
+          <a:prstGeom prst="rect">
+            <a:avLst/>
+          </a:prstGeom>
+          <a:noFill/>
+          <a:ln/>
+        </p:spPr>
+        <p:txBody>
+          <a:bodyPr wrap="square" rtlCol="0" anchor="ctr"/>
+          <a:lstStyle/>
+          <a:p>
+            <a:pPr indent="0" marL="0">
+              <a:buNone/>
+            </a:pPr>
+            <a:r>
+              <a:rPr lang="en-US" sz="1200" b="1" dirty="0">
+                <a:solidFill>
+                  <a:srgbClr val="22C55E"/>
+                </a:solidFill>
+                <a:latin typeface="Arial" pitchFamily="34" charset="0"/>
+                <a:ea typeface="Arial" pitchFamily="34" charset="-122"/>
+                <a:cs typeface="Arial" pitchFamily="34" charset="-120"/>
+              </a:rPr>
+              <a:t>Conceitos Principais:</a:t>
+            </a:r>
+            <a:endParaRPr lang="en-US" sz="1200" dirty="0"/>
+          </a:p>
+        </p:txBody>
+      </p:sp>
+      <p:sp>
+        <p:nvSpPr>
+          <p:cNvPr id="6" name="Shape 3"/>
+          <p:cNvSpPr/>
+          <p:nvPr/>
+        </p:nvSpPr>
+        <p:spPr>
+          <a:xfrm>
+            <a:off x="5943600" y="1371600"/>
+            <a:ext cx="228600" cy="228600"/>
+          </a:xfrm>
+          <a:prstGeom prst="ellipse">
+            <a:avLst/>
+          </a:prstGeom>
+          <a:solidFill>
+            <a:srgbClr val="667EEA"/>
+          </a:solidFill>
+          <a:ln/>
+        </p:spPr>
+      </p:sp>
+      <p:sp>
+        <p:nvSpPr>
+          <p:cNvPr id="7" name="Text 4"/>
+          <p:cNvSpPr/>
+          <p:nvPr/>
+        </p:nvSpPr>
+        <p:spPr>
+          <a:xfrm>
+            <a:off x="6309360" y="1325880"/>
+            <a:ext cx="2560320" cy="731520"/>
+          </a:xfrm>
+          <a:prstGeom prst="rect">
+            <a:avLst/>
+          </a:prstGeom>
+          <a:noFill/>
+          <a:ln/>
+        </p:spPr>
+        <p:txBody>
+          <a:bodyPr wrap="square" rtlCol="0" anchor="t"/>
+          <a:lstStyle/>
+          <a:p>
+            <a:pPr indent="0" marL="0">
+              <a:buNone/>
+            </a:pPr>
+            <a:r>
+              <a:rPr lang="en-US" sz="1000" dirty="0">
+                <a:solidFill>
+                  <a:srgbClr val="FFFFFF"/>
+                </a:solidFill>
+                <a:latin typeface="Arial" pitchFamily="34" charset="0"/>
+                <a:ea typeface="Arial" pitchFamily="34" charset="-122"/>
+                <a:cs typeface="Arial" pitchFamily="34" charset="-120"/>
+              </a:rPr>
+              <a:t>Conceitos fundamentais apresentados</a:t>
+            </a:r>
+            <a:endParaRPr lang="en-US" sz="1000" dirty="0"/>
+          </a:p>
+        </p:txBody>
+      </p:sp>
+      <p:sp>
+        <p:nvSpPr>
+          <p:cNvPr id="8" name="Shape 5"/>
+          <p:cNvSpPr/>
+          <p:nvPr/>
+        </p:nvSpPr>
+        <p:spPr>
+          <a:xfrm>
+            <a:off x="5943600" y="2148840"/>
+            <a:ext cx="228600" cy="228600"/>
+          </a:xfrm>
+          <a:prstGeom prst="ellipse">
+            <a:avLst/>
+          </a:prstGeom>
+          <a:solidFill>
+            <a:srgbClr val="667EEA"/>
+          </a:solidFill>
+          <a:ln/>
+        </p:spPr>
+      </p:sp>
+      <p:sp>
+        <p:nvSpPr>
+          <p:cNvPr id="9" name="Text 6"/>
+          <p:cNvSpPr/>
+          <p:nvPr/>
+        </p:nvSpPr>
+        <p:spPr>
+          <a:xfrm>
+            <a:off x="6309360" y="2103120"/>
+            <a:ext cx="2560320" cy="731520"/>
+          </a:xfrm>
+          <a:prstGeom prst="rect">
+            <a:avLst/>
+          </a:prstGeom>
+          <a:noFill/>
+          <a:ln/>
+        </p:spPr>
+        <p:txBody>
+          <a:bodyPr wrap="square" rtlCol="0" anchor="t"/>
+          <a:lstStyle/>
+          <a:p>
+            <a:pPr indent="0" marL="0">
+              <a:buNone/>
+            </a:pPr>
+            <a:r>
+              <a:rPr lang="en-US" sz="1000" dirty="0">
+                <a:solidFill>
+                  <a:srgbClr val="FFFFFF"/>
+                </a:solidFill>
+                <a:latin typeface="Arial" pitchFamily="34" charset="0"/>
+                <a:ea typeface="Arial" pitchFamily="34" charset="-122"/>
+                <a:cs typeface="Arial" pitchFamily="34" charset="-120"/>
+              </a:rPr>
+              <a:t>Técnicas práticas demonstradas</a:t>
+            </a:r>
+            <a:endParaRPr lang="en-US" sz="1000" dirty="0"/>
+          </a:p>
+        </p:txBody>
+      </p:sp>
+      <p:sp>
+        <p:nvSpPr>
+          <p:cNvPr id="10" name="Shape 7"/>
+          <p:cNvSpPr/>
+          <p:nvPr/>
+        </p:nvSpPr>
+        <p:spPr>
+          <a:xfrm>
+            <a:off x="5943600" y="2926080"/>
+            <a:ext cx="228600" cy="228600"/>
+          </a:xfrm>
+          <a:prstGeom prst="ellipse">
+            <a:avLst/>
+          </a:prstGeom>
+          <a:solidFill>
+            <a:srgbClr val="667EEA"/>
+          </a:solidFill>
+          <a:ln/>
+        </p:spPr>
+      </p:sp>
+      <p:sp>
+        <p:nvSpPr>
+          <p:cNvPr id="11" name="Text 8"/>
+          <p:cNvSpPr/>
+          <p:nvPr/>
+        </p:nvSpPr>
+        <p:spPr>
+          <a:xfrm>
+            <a:off x="6309360" y="2880360"/>
+            <a:ext cx="2560320" cy="731520"/>
+          </a:xfrm>
+          <a:prstGeom prst="rect">
+            <a:avLst/>
+          </a:prstGeom>
+          <a:noFill/>
+          <a:ln/>
+        </p:spPr>
+        <p:txBody>
+          <a:bodyPr wrap="square" rtlCol="0" anchor="t"/>
+          <a:lstStyle/>
+          <a:p>
+            <a:pPr indent="0" marL="0">
+              <a:buNone/>
+            </a:pPr>
+            <a:r>
+              <a:rPr lang="en-US" sz="1000" dirty="0">
+                <a:solidFill>
+                  <a:srgbClr val="FFFFFF"/>
+                </a:solidFill>
+                <a:latin typeface="Arial" pitchFamily="34" charset="0"/>
+                <a:ea typeface="Arial" pitchFamily="34" charset="-122"/>
+                <a:cs typeface="Arial" pitchFamily="34" charset="-120"/>
+              </a:rPr>
+              <a:t>Aplicação imediata possível</a:t>
+            </a:r>
+            <a:endParaRPr lang="en-US" sz="1000" dirty="0"/>
+          </a:p>
+        </p:txBody>
+      </p:sp>
+      <p:sp>
+        <p:nvSpPr>
+          <p:cNvPr id="12" name="Shape 9"/>
+          <p:cNvSpPr/>
+          <p:nvPr/>
+        </p:nvSpPr>
+        <p:spPr>
+          <a:xfrm>
+            <a:off x="5943600" y="3703320"/>
+            <a:ext cx="228600" cy="228600"/>
+          </a:xfrm>
+          <a:prstGeom prst="ellipse">
+            <a:avLst/>
+          </a:prstGeom>
+          <a:solidFill>
+            <a:srgbClr val="667EEA"/>
+          </a:solidFill>
+          <a:ln/>
+        </p:spPr>
+      </p:sp>
+      <p:sp>
+        <p:nvSpPr>
+          <p:cNvPr id="13" name="Text 10"/>
+          <p:cNvSpPr/>
+          <p:nvPr/>
+        </p:nvSpPr>
+        <p:spPr>
+          <a:xfrm>
+            <a:off x="6309360" y="3657600"/>
+            <a:ext cx="2560320" cy="731520"/>
+          </a:xfrm>
+          <a:prstGeom prst="rect">
+            <a:avLst/>
+          </a:prstGeom>
+          <a:noFill/>
+          <a:ln/>
+        </p:spPr>
+        <p:txBody>
+          <a:bodyPr wrap="square" rtlCol="0" anchor="t"/>
+          <a:lstStyle/>
+          <a:p>
+            <a:pPr indent="0" marL="0">
+              <a:buNone/>
+            </a:pPr>
+            <a:r>
+              <a:rPr lang="en-US" sz="1000" dirty="0">
+                <a:solidFill>
+                  <a:srgbClr val="FFFFFF"/>
+                </a:solidFill>
+                <a:latin typeface="Arial" pitchFamily="34" charset="0"/>
+                <a:ea typeface="Arial" pitchFamily="34" charset="-122"/>
+                <a:cs typeface="Arial" pitchFamily="34" charset="-120"/>
+              </a:rPr>
+              <a:t>Conexão com próximos conteúdos</a:t>
+            </a:r>
+            <a:endParaRPr lang="en-US" sz="1000" dirty="0"/>
+          </a:p>
+        </p:txBody>
+      </p:sp>
+      <p:pic>
+        <p:nvPicPr>
+          <p:cNvPr id="15" name="Image 1" descr="preencoded.png">    </p:cNvPr>
+          <p:cNvPicPr>
+            <a:picLocks noChangeAspect="1"/>
+          </p:cNvPicPr>
+          <p:nvPr/>
+        </p:nvPicPr>
+        <p:blipFill>
+          <a:blip r:embed="rId2"/>
           <a:stretch>
             <a:fillRect/>
           </a:stretch>
@@ -6282,7 +6605,7 @@
                 <a:ea typeface="Arial" pitchFamily="34" charset="-122"/>
                 <a:cs typeface="Arial" pitchFamily="34" charset="-120"/>
               </a:rPr>
-              <a:t>Aula 13 - Encerramento</a:t>
+              <a:t>📝 Atividade Prática</a:t>
             </a:r>
             <a:endParaRPr lang="en-US" sz="2000" dirty="0"/>
           </a:p>
@@ -6296,16 +6619,21 @@
         </p:nvSpPr>
         <p:spPr>
           <a:xfrm>
-            <a:off x="0" y="822960"/>
-            <a:ext cx="2743200" cy="91440"/>
-          </a:xfrm>
-          <a:prstGeom prst="rect">
-            <a:avLst/>
-          </a:prstGeom>
-          <a:solidFill>
-            <a:srgbClr val="667EEA"/>
-          </a:solidFill>
-          <a:ln/>
+            <a:off x="457200" y="1005840"/>
+            <a:ext cx="8229600" cy="2560320"/>
+          </a:xfrm>
+          <a:prstGeom prst="roundRect">
+            <a:avLst/>
+          </a:prstGeom>
+          <a:solidFill>
+            <a:srgbClr val="2A2A4A"/>
+          </a:solidFill>
+          <a:ln w="38100">
+            <a:solidFill>
+              <a:srgbClr val="22C55E"/>
+            </a:solidFill>
+            <a:prstDash val="solid"/>
+          </a:ln>
         </p:spPr>
       </p:sp>
       <p:sp>
@@ -6316,10 +6644,10 @@
         </p:nvSpPr>
         <p:spPr>
           <a:xfrm>
-            <a:off x="3200400" y="822960"/>
-            <a:ext cx="2743200" cy="91440"/>
-          </a:xfrm>
-          <a:prstGeom prst="rect">
+            <a:off x="731520" y="1280160"/>
+            <a:ext cx="731520" cy="731520"/>
+          </a:xfrm>
+          <a:prstGeom prst="ellipse">
             <a:avLst/>
           </a:prstGeom>
           <a:solidFill>
@@ -6330,42 +6658,224 @@
       </p:sp>
       <p:sp>
         <p:nvSpPr>
-          <p:cNvPr id="6" name="Shape 4"/>
-          <p:cNvSpPr/>
-          <p:nvPr/>
-        </p:nvSpPr>
-        <p:spPr>
-          <a:xfrm>
-            <a:off x="6400800" y="822960"/>
-            <a:ext cx="2743200" cy="91440"/>
-          </a:xfrm>
-          <a:prstGeom prst="rect">
-            <a:avLst/>
-          </a:prstGeom>
-          <a:solidFill>
-            <a:srgbClr val="3B82F6"/>
-          </a:solidFill>
-          <a:ln/>
-        </p:spPr>
-      </p:sp>
-      <p:sp>
-        <p:nvSpPr>
-          <p:cNvPr id="7" name="Shape 5"/>
-          <p:cNvSpPr/>
-          <p:nvPr/>
-        </p:nvSpPr>
-        <p:spPr>
-          <a:xfrm>
-            <a:off x="914400" y="1371600"/>
-            <a:ext cx="7315200" cy="1828800"/>
+          <p:cNvPr id="6" name="Text 4"/>
+          <p:cNvSpPr/>
+          <p:nvPr/>
+        </p:nvSpPr>
+        <p:spPr>
+          <a:xfrm>
+            <a:off x="731520" y="1371600"/>
+            <a:ext cx="731520" cy="548640"/>
+          </a:xfrm>
+          <a:prstGeom prst="rect">
+            <a:avLst/>
+          </a:prstGeom>
+          <a:noFill/>
+          <a:ln/>
+        </p:spPr>
+        <p:txBody>
+          <a:bodyPr wrap="square" rtlCol="0" anchor="ctr"/>
+          <a:lstStyle/>
+          <a:p>
+            <a:pPr algn="ctr" indent="0" marL="0">
+              <a:buNone/>
+            </a:pPr>
+            <a:r>
+              <a:rPr lang="en-US" sz="2800" b="1" dirty="0">
+                <a:solidFill>
+                  <a:srgbClr val="FFFFFF"/>
+                </a:solidFill>
+                <a:latin typeface="Arial" pitchFamily="34" charset="0"/>
+                <a:ea typeface="Arial" pitchFamily="34" charset="-122"/>
+                <a:cs typeface="Arial" pitchFamily="34" charset="-120"/>
+              </a:rPr>
+              <a:t>!</a:t>
+            </a:r>
+            <a:endParaRPr lang="en-US" sz="2800" dirty="0"/>
+          </a:p>
+        </p:txBody>
+      </p:sp>
+      <p:sp>
+        <p:nvSpPr>
+          <p:cNvPr id="7" name="Text 5"/>
+          <p:cNvSpPr/>
+          <p:nvPr/>
+        </p:nvSpPr>
+        <p:spPr>
+          <a:xfrm>
+            <a:off x="1645920" y="1280160"/>
+            <a:ext cx="6858000" cy="457200"/>
+          </a:xfrm>
+          <a:prstGeom prst="rect">
+            <a:avLst/>
+          </a:prstGeom>
+          <a:noFill/>
+          <a:ln/>
+        </p:spPr>
+        <p:txBody>
+          <a:bodyPr wrap="square" rtlCol="0" anchor="ctr"/>
+          <a:lstStyle/>
+          <a:p>
+            <a:pPr indent="0" marL="0">
+              <a:buNone/>
+            </a:pPr>
+            <a:r>
+              <a:rPr lang="en-US" sz="1600" b="1" dirty="0">
+                <a:solidFill>
+                  <a:srgbClr val="22C55E"/>
+                </a:solidFill>
+                <a:latin typeface="Arial" pitchFamily="34" charset="0"/>
+                <a:ea typeface="Arial" pitchFamily="34" charset="-122"/>
+                <a:cs typeface="Arial" pitchFamily="34" charset="-120"/>
+              </a:rPr>
+              <a:t>Sua Missão:</a:t>
+            </a:r>
+            <a:endParaRPr lang="en-US" sz="1600" dirty="0"/>
+          </a:p>
+        </p:txBody>
+      </p:sp>
+      <p:sp>
+        <p:nvSpPr>
+          <p:cNvPr id="8" name="Text 6"/>
+          <p:cNvSpPr/>
+          <p:nvPr/>
+        </p:nvSpPr>
+        <p:spPr>
+          <a:xfrm>
+            <a:off x="1645920" y="1737360"/>
+            <a:ext cx="6766560" cy="1645920"/>
+          </a:xfrm>
+          <a:prstGeom prst="rect">
+            <a:avLst/>
+          </a:prstGeom>
+          <a:noFill/>
+          <a:ln/>
+        </p:spPr>
+        <p:txBody>
+          <a:bodyPr wrap="square" rtlCol="0" anchor="t"/>
+          <a:lstStyle/>
+          <a:p>
+            <a:pPr indent="0" marL="0">
+              <a:buNone/>
+            </a:pPr>
+            <a:r>
+              <a:rPr lang="en-US" sz="1400" dirty="0">
+                <a:solidFill>
+                  <a:srgbClr val="FFFFFF"/>
+                </a:solidFill>
+                <a:latin typeface="Arial" pitchFamily="34" charset="0"/>
+                <a:ea typeface="Arial" pitchFamily="34" charset="-122"/>
+                <a:cs typeface="Arial" pitchFamily="34" charset="-120"/>
+              </a:rPr>
+              <a:t>1. **Diário Emocional de Estudo** (1 semana):</a:t>
+            </a:r>
+            <a:endParaRPr lang="en-US" sz="1400" dirty="0"/>
+          </a:p>
+          <a:p>
+            <a:pPr indent="0" marL="0">
+              <a:buNone/>
+            </a:pPr>
+            <a:r>
+              <a:rPr lang="en-US" sz="1400" dirty="0">
+                <a:solidFill>
+                  <a:srgbClr val="FFFFFF"/>
+                </a:solidFill>
+                <a:latin typeface="Arial" pitchFamily="34" charset="0"/>
+                <a:ea typeface="Arial" pitchFamily="34" charset="-122"/>
+                <a:cs typeface="Arial" pitchFamily="34" charset="-120"/>
+              </a:rPr>
+              <a:t>   - Antes de estudar: Como me sinto? (1-10)</a:t>
+            </a:r>
+            <a:endParaRPr lang="en-US" sz="1400" dirty="0"/>
+          </a:p>
+          <a:p>
+            <a:pPr indent="0" marL="0">
+              <a:buNone/>
+            </a:pPr>
+            <a:r>
+              <a:rPr lang="en-US" sz="1400" dirty="0">
+                <a:solidFill>
+                  <a:srgbClr val="FFFFFF"/>
+                </a:solidFill>
+                <a:latin typeface="Arial" pitchFamily="34" charset="0"/>
+                <a:ea typeface="Arial" pitchFamily="34" charset="-122"/>
+                <a:cs typeface="Arial" pitchFamily="34" charset="-120"/>
+              </a:rPr>
+              <a:t>   - Durante: Que emoções surgem?</a:t>
+            </a:r>
+            <a:endParaRPr lang="en-US" sz="1400" dirty="0"/>
+          </a:p>
+          <a:p>
+            <a:pPr indent="0" marL="0">
+              <a:buNone/>
+            </a:pPr>
+            <a:r>
+              <a:rPr lang="en-US" sz="1400" dirty="0">
+                <a:solidFill>
+                  <a:srgbClr val="FFFFFF"/>
+                </a:solidFill>
+                <a:latin typeface="Arial" pitchFamily="34" charset="0"/>
+                <a:ea typeface="Arial" pitchFamily="34" charset="-122"/>
+                <a:cs typeface="Arial" pitchFamily="34" charset="-120"/>
+              </a:rPr>
+              <a:t>   - Depois: Como ficou meu humor?</a:t>
+            </a:r>
+            <a:endParaRPr lang="en-US" sz="1400" dirty="0"/>
+          </a:p>
+          <a:p>
+            <a:pPr indent="0" marL="0">
+              <a:buNone/>
+            </a:pPr>
+            <a:r>
+              <a:rPr lang="en-US" sz="1400" dirty="0">
+                <a:solidFill>
+                  <a:srgbClr val="FFFFFF"/>
+                </a:solidFill>
+                <a:latin typeface="Arial" pitchFamily="34" charset="0"/>
+                <a:ea typeface="Arial" pitchFamily="34" charset="-122"/>
+                <a:cs typeface="Arial" pitchFamily="34" charset="-120"/>
+              </a:rPr>
+              <a:t>2. **Pratique a respiração 4-7-8** por 3 dias</a:t>
+            </a:r>
+            <a:endParaRPr lang="en-US" sz="1400" dirty="0"/>
+          </a:p>
+          <a:p>
+            <a:pPr indent="0" marL="0">
+              <a:buNone/>
+            </a:pPr>
+            <a:r>
+              <a:rPr lang="en-US" sz="1400" dirty="0">
+                <a:solidFill>
+                  <a:srgbClr val="FFFFFF"/>
+                </a:solidFill>
+                <a:latin typeface="Arial" pitchFamily="34" charset="0"/>
+                <a:ea typeface="Arial" pitchFamily="34" charset="-122"/>
+                <a:cs typeface="Arial" pitchFamily="34" charset="-120"/>
+              </a:rPr>
+              <a:t>3. **Identifique 3 gatilhos** e crie um plano para cada</a:t>
+            </a:r>
+            <a:endParaRPr lang="en-US" sz="1400" dirty="0"/>
+          </a:p>
+        </p:txBody>
+      </p:sp>
+      <p:sp>
+        <p:nvSpPr>
+          <p:cNvPr id="9" name="Shape 7"/>
+          <p:cNvSpPr/>
+          <p:nvPr/>
+        </p:nvSpPr>
+        <p:spPr>
+          <a:xfrm>
+            <a:off x="457200" y="3749040"/>
+            <a:ext cx="8229600" cy="640080"/>
           </a:xfrm>
           <a:prstGeom prst="roundRect">
             <a:avLst/>
           </a:prstGeom>
           <a:solidFill>
-            <a:srgbClr val="2A2A4A"/>
-          </a:solidFill>
-          <a:ln w="25400">
+            <a:srgbClr val="1E3A5F"/>
+          </a:solidFill>
+          <a:ln w="12700">
             <a:solidFill>
               <a:srgbClr val="667EEA"/>
             </a:solidFill>
@@ -6375,14 +6885,14 @@
       </p:sp>
       <p:sp>
         <p:nvSpPr>
-          <p:cNvPr id="8" name="Text 6"/>
-          <p:cNvSpPr/>
-          <p:nvPr/>
-        </p:nvSpPr>
-        <p:spPr>
-          <a:xfrm>
-            <a:off x="1097280" y="1371600"/>
-            <a:ext cx="457200" cy="731520"/>
+          <p:cNvPr id="10" name="Text 8"/>
+          <p:cNvSpPr/>
+          <p:nvPr/>
+        </p:nvSpPr>
+        <p:spPr>
+          <a:xfrm>
+            <a:off x="457200" y="3886200"/>
+            <a:ext cx="8229600" cy="365760"/>
           </a:xfrm>
           <a:prstGeom prst="rect">
             <a:avLst/>
@@ -6394,50 +6904,11 @@
           <a:bodyPr wrap="square" rtlCol="0" anchor="ctr"/>
           <a:lstStyle/>
           <a:p>
-            <a:pPr indent="0" marL="0">
-              <a:buNone/>
-            </a:pPr>
-            <a:r>
-              <a:rPr lang="en-US" sz="4800" i="1" dirty="0">
-                <a:solidFill>
-                  <a:srgbClr val="667EEA"/>
-                </a:solidFill>
-                <a:latin typeface="Georgia" pitchFamily="34" charset="0"/>
-                <a:ea typeface="Georgia" pitchFamily="34" charset="-122"/>
-                <a:cs typeface="Georgia" pitchFamily="34" charset="-120"/>
-              </a:rPr>
-              <a:t>"</a:t>
-            </a:r>
-            <a:endParaRPr lang="en-US" sz="4800" dirty="0"/>
-          </a:p>
-        </p:txBody>
-      </p:sp>
-      <p:sp>
-        <p:nvSpPr>
-          <p:cNvPr id="9" name="Text 7"/>
-          <p:cNvSpPr/>
-          <p:nvPr/>
-        </p:nvSpPr>
-        <p:spPr>
-          <a:xfrm>
-            <a:off x="1371600" y="1737360"/>
-            <a:ext cx="6400800" cy="1097280"/>
-          </a:xfrm>
-          <a:prstGeom prst="rect">
-            <a:avLst/>
-          </a:prstGeom>
-          <a:noFill/>
-          <a:ln/>
-        </p:spPr>
-        <p:txBody>
-          <a:bodyPr wrap="square" rtlCol="0" anchor="ctr"/>
-          <a:lstStyle/>
-          <a:p>
             <a:pPr algn="ctr" indent="0" marL="0">
               <a:buNone/>
             </a:pPr>
             <a:r>
-              <a:rPr lang="en-US" sz="1600" i="1" dirty="0">
+              <a:rPr lang="en-US" sz="1300" dirty="0">
                 <a:solidFill>
                   <a:srgbClr val="FFFFFF"/>
                 </a:solidFill>
@@ -6445,113 +6916,15 @@
                 <a:ea typeface="Arial" pitchFamily="34" charset="-122"/>
                 <a:cs typeface="Arial" pitchFamily="34" charset="-120"/>
               </a:rPr>
-              <a:t>Sua performance nos estudos está ligada ao seu estado emocional. Cuide das emoções como cuida do ambiente.</a:t>
-            </a:r>
-            <a:endParaRPr lang="en-US" sz="1600" dirty="0"/>
-          </a:p>
-        </p:txBody>
-      </p:sp>
-      <p:sp>
-        <p:nvSpPr>
-          <p:cNvPr id="10" name="Shape 8"/>
-          <p:cNvSpPr/>
-          <p:nvPr/>
-        </p:nvSpPr>
-        <p:spPr>
-          <a:xfrm>
-            <a:off x="0" y="3840480"/>
-            <a:ext cx="9144000" cy="822960"/>
-          </a:xfrm>
-          <a:prstGeom prst="rect">
-            <a:avLst/>
-          </a:prstGeom>
-          <a:solidFill>
-            <a:srgbClr val="0F172A"/>
-          </a:solidFill>
-          <a:ln/>
-        </p:spPr>
-      </p:sp>
-      <p:sp>
-        <p:nvSpPr>
-          <p:cNvPr id="11" name="Text 9"/>
-          <p:cNvSpPr/>
-          <p:nvPr/>
-        </p:nvSpPr>
-        <p:spPr>
-          <a:xfrm>
-            <a:off x="457200" y="3977640"/>
-            <a:ext cx="3657600" cy="274320"/>
-          </a:xfrm>
-          <a:prstGeom prst="rect">
-            <a:avLst/>
-          </a:prstGeom>
-          <a:noFill/>
-          <a:ln/>
-        </p:spPr>
-        <p:txBody>
-          <a:bodyPr wrap="square" rtlCol="0" anchor="ctr"/>
-          <a:lstStyle/>
-          <a:p>
-            <a:pPr indent="0" marL="0">
-              <a:buNone/>
-            </a:pPr>
-            <a:r>
-              <a:rPr lang="en-US" sz="1400" b="1" dirty="0">
-                <a:solidFill>
-                  <a:srgbClr val="22C55E"/>
-                </a:solidFill>
-                <a:latin typeface="Arial" pitchFamily="34" charset="0"/>
-                <a:ea typeface="Arial" pitchFamily="34" charset="-122"/>
-                <a:cs typeface="Arial" pitchFamily="34" charset="-120"/>
-              </a:rPr>
-              <a:t>Educa com Talento</a:t>
-            </a:r>
-            <a:endParaRPr lang="en-US" sz="1400" dirty="0"/>
-          </a:p>
-        </p:txBody>
-      </p:sp>
-      <p:sp>
-        <p:nvSpPr>
-          <p:cNvPr id="12" name="Text 10"/>
-          <p:cNvSpPr/>
-          <p:nvPr/>
-        </p:nvSpPr>
-        <p:spPr>
-          <a:xfrm>
-            <a:off x="457200" y="4251960"/>
-            <a:ext cx="3657600" cy="228600"/>
-          </a:xfrm>
-          <a:prstGeom prst="rect">
-            <a:avLst/>
-          </a:prstGeom>
-          <a:noFill/>
-          <a:ln/>
-        </p:spPr>
-        <p:txBody>
-          <a:bodyPr wrap="square" rtlCol="0" anchor="ctr"/>
-          <a:lstStyle/>
-          <a:p>
-            <a:pPr indent="0" marL="0">
-              <a:buNone/>
-            </a:pPr>
-            <a:r>
-              <a:rPr lang="en-US" sz="1000" dirty="0">
-                <a:solidFill>
-                  <a:srgbClr val="667EEA"/>
-                </a:solidFill>
-                <a:latin typeface="Arial" pitchFamily="34" charset="0"/>
-                <a:ea typeface="Arial" pitchFamily="34" charset="-122"/>
-                <a:cs typeface="Arial" pitchFamily="34" charset="-120"/>
-              </a:rPr>
-              <a:t>www.educacomtalento.com.br</a:t>
-            </a:r>
-            <a:endParaRPr lang="en-US" sz="1000" dirty="0"/>
+              <a:t>📤 Envie na área de atividades do Moodle</a:t>
+            </a:r>
+            <a:endParaRPr lang="en-US" sz="1300" dirty="0"/>
           </a:p>
         </p:txBody>
       </p:sp>
       <p:pic>
         <p:nvPicPr>
-          <p:cNvPr id="13" name="Image 0" descr="preencoded.png">    </p:cNvPr>
+          <p:cNvPr id="12" name="Image 0" descr="preencoded.png">    </p:cNvPr>
           <p:cNvPicPr>
             <a:picLocks noChangeAspect="1"/>
           </p:cNvPicPr>
@@ -6565,8 +6938,8 @@
         </p:blipFill>
         <p:spPr>
           <a:xfrm>
-            <a:off x="6400800" y="3886200"/>
-            <a:ext cx="2286000" cy="914400"/>
+            <a:off x="7498080" y="4389120"/>
+            <a:ext cx="1371600" cy="548640"/>
           </a:xfrm>
           <a:prstGeom prst="rect">
             <a:avLst/>
